--- a/assets/img/vision/concept/fisheye_camera/fisheye_camera.pptx
+++ b/assets/img/vision/concept/fisheye_camera/fisheye_camera.pptx
@@ -7,6 +7,7 @@
   <p:sldIdLst>
     <p:sldId id="257" r:id="rId2"/>
     <p:sldId id="259" r:id="rId3"/>
+    <p:sldId id="260" r:id="rId4"/>
   </p:sldIdLst>
   <p:sldSz cx="12192000" cy="6858000"/>
   <p:notesSz cx="6858000" cy="9144000"/>
@@ -5539,8 +5540,8 @@
             </mc:Fallback>
           </mc:AlternateContent>
         </p:grpSp>
-        <mc:AlternateContent xmlns:mc="http://schemas.openxmlformats.org/markup-compatibility/2006">
-          <mc:Choice xmlns:a14="http://schemas.microsoft.com/office/drawing/2010/main" Requires="a14">
+        <mc:AlternateContent xmlns:mc="http://schemas.openxmlformats.org/markup-compatibility/2006" xmlns:a14="http://schemas.microsoft.com/office/drawing/2010/main">
+          <mc:Choice Requires="a14">
             <p:sp>
               <p:nvSpPr>
                 <p:cNvPr id="3" name="TextBox 2">
@@ -5609,7 +5610,7 @@
               </p:txBody>
             </p:sp>
           </mc:Choice>
-          <mc:Fallback>
+          <mc:Fallback xmlns="">
             <p:sp>
               <p:nvSpPr>
                 <p:cNvPr id="3" name="TextBox 2">
@@ -5654,8 +5655,8 @@
             </p:sp>
           </mc:Fallback>
         </mc:AlternateContent>
-        <mc:AlternateContent xmlns:mc="http://schemas.openxmlformats.org/markup-compatibility/2006">
-          <mc:Choice xmlns:a14="http://schemas.microsoft.com/office/drawing/2010/main" Requires="a14">
+        <mc:AlternateContent xmlns:mc="http://schemas.openxmlformats.org/markup-compatibility/2006" xmlns:a14="http://schemas.microsoft.com/office/drawing/2010/main">
+          <mc:Choice Requires="a14">
             <p:sp>
               <p:nvSpPr>
                 <p:cNvPr id="4" name="TextBox 3">
@@ -5724,7 +5725,7 @@
               </p:txBody>
             </p:sp>
           </mc:Choice>
-          <mc:Fallback>
+          <mc:Fallback xmlns="">
             <p:sp>
               <p:nvSpPr>
                 <p:cNvPr id="4" name="TextBox 3">
@@ -6067,8 +6068,8 @@
                 </a:fontRef>
               </p:style>
             </p:cxnSp>
-            <mc:AlternateContent xmlns:mc="http://schemas.openxmlformats.org/markup-compatibility/2006">
-              <mc:Choice xmlns:a14="http://schemas.microsoft.com/office/drawing/2010/main" Requires="a14">
+            <mc:AlternateContent xmlns:mc="http://schemas.openxmlformats.org/markup-compatibility/2006" xmlns:a14="http://schemas.microsoft.com/office/drawing/2010/main">
+              <mc:Choice Requires="a14">
                 <p:sp>
                   <p:nvSpPr>
                     <p:cNvPr id="15" name="TextBox 14">
@@ -6142,7 +6143,7 @@
                   </p:txBody>
                 </p:sp>
               </mc:Choice>
-              <mc:Fallback>
+              <mc:Fallback xmlns="">
                 <p:sp>
                   <p:nvSpPr>
                     <p:cNvPr id="15" name="TextBox 14">
@@ -6522,8 +6523,8 @@
                 </a:p>
               </p:txBody>
             </p:sp>
-            <mc:AlternateContent xmlns:mc="http://schemas.openxmlformats.org/markup-compatibility/2006">
-              <mc:Choice xmlns:a14="http://schemas.microsoft.com/office/drawing/2010/main" Requires="a14">
+            <mc:AlternateContent xmlns:mc="http://schemas.openxmlformats.org/markup-compatibility/2006" xmlns:a14="http://schemas.microsoft.com/office/drawing/2010/main">
+              <mc:Choice Requires="a14">
                 <p:sp>
                   <p:nvSpPr>
                     <p:cNvPr id="40" name="TextBox 39">
@@ -6592,7 +6593,7 @@
                   </p:txBody>
                 </p:sp>
               </mc:Choice>
-              <mc:Fallback>
+              <mc:Fallback xmlns="">
                 <p:sp>
                   <p:nvSpPr>
                     <p:cNvPr id="40" name="TextBox 39">
@@ -6637,8 +6638,8 @@
                 </p:sp>
               </mc:Fallback>
             </mc:AlternateContent>
-            <mc:AlternateContent xmlns:mc="http://schemas.openxmlformats.org/markup-compatibility/2006">
-              <mc:Choice xmlns:a14="http://schemas.microsoft.com/office/drawing/2010/main" Requires="a14">
+            <mc:AlternateContent xmlns:mc="http://schemas.openxmlformats.org/markup-compatibility/2006" xmlns:a14="http://schemas.microsoft.com/office/drawing/2010/main">
+              <mc:Choice Requires="a14">
                 <p:sp>
                   <p:nvSpPr>
                     <p:cNvPr id="41" name="TextBox 40">
@@ -6707,7 +6708,7 @@
                   </p:txBody>
                 </p:sp>
               </mc:Choice>
-              <mc:Fallback>
+              <mc:Fallback xmlns="">
                 <p:sp>
                   <p:nvSpPr>
                     <p:cNvPr id="41" name="TextBox 40">
@@ -6940,8 +6941,8 @@
                 </a:p>
               </p:txBody>
             </p:sp>
-            <mc:AlternateContent xmlns:mc="http://schemas.openxmlformats.org/markup-compatibility/2006">
-              <mc:Choice xmlns:a14="http://schemas.microsoft.com/office/drawing/2010/main" Requires="a14">
+            <mc:AlternateContent xmlns:mc="http://schemas.openxmlformats.org/markup-compatibility/2006" xmlns:a14="http://schemas.microsoft.com/office/drawing/2010/main">
+              <mc:Choice Requires="a14">
                 <p:sp>
                   <p:nvSpPr>
                     <p:cNvPr id="55" name="TextBox 54">
@@ -7010,7 +7011,7 @@
                   </p:txBody>
                 </p:sp>
               </mc:Choice>
-              <mc:Fallback>
+              <mc:Fallback xmlns="">
                 <p:sp>
                   <p:nvSpPr>
                     <p:cNvPr id="55" name="TextBox 54">
@@ -7141,8 +7142,8 @@
                 </a:fontRef>
               </p:style>
             </p:cxnSp>
-            <mc:AlternateContent xmlns:mc="http://schemas.openxmlformats.org/markup-compatibility/2006">
-              <mc:Choice xmlns:a14="http://schemas.microsoft.com/office/drawing/2010/main" Requires="a14">
+            <mc:AlternateContent xmlns:mc="http://schemas.openxmlformats.org/markup-compatibility/2006" xmlns:a14="http://schemas.microsoft.com/office/drawing/2010/main">
+              <mc:Choice Requires="a14">
                 <p:sp>
                   <p:nvSpPr>
                     <p:cNvPr id="62" name="TextBox 61">
@@ -7211,7 +7212,7 @@
                   </p:txBody>
                 </p:sp>
               </mc:Choice>
-              <mc:Fallback>
+              <mc:Fallback xmlns="">
                 <p:sp>
                   <p:nvSpPr>
                     <p:cNvPr id="62" name="TextBox 61">
@@ -7256,8 +7257,8 @@
                 </p:sp>
               </mc:Fallback>
             </mc:AlternateContent>
-            <mc:AlternateContent xmlns:mc="http://schemas.openxmlformats.org/markup-compatibility/2006">
-              <mc:Choice xmlns:a14="http://schemas.microsoft.com/office/drawing/2010/main" Requires="a14">
+            <mc:AlternateContent xmlns:mc="http://schemas.openxmlformats.org/markup-compatibility/2006" xmlns:a14="http://schemas.microsoft.com/office/drawing/2010/main">
+              <mc:Choice Requires="a14">
                 <p:sp>
                   <p:nvSpPr>
                     <p:cNvPr id="63" name="TextBox 62">
@@ -7344,7 +7345,7 @@
                   </p:txBody>
                 </p:sp>
               </mc:Choice>
-              <mc:Fallback>
+              <mc:Fallback xmlns="">
                 <p:sp>
                   <p:nvSpPr>
                     <p:cNvPr id="63" name="TextBox 62">
@@ -7781,8 +7782,8 @@
                 </a:p>
               </p:txBody>
             </p:sp>
-            <mc:AlternateContent xmlns:mc="http://schemas.openxmlformats.org/markup-compatibility/2006">
-              <mc:Choice xmlns:a14="http://schemas.microsoft.com/office/drawing/2010/main" Requires="a14">
+            <mc:AlternateContent xmlns:mc="http://schemas.openxmlformats.org/markup-compatibility/2006" xmlns:a14="http://schemas.microsoft.com/office/drawing/2010/main">
+              <mc:Choice Requires="a14">
                 <p:sp>
                   <p:nvSpPr>
                     <p:cNvPr id="21" name="TextBox 20">
@@ -7864,7 +7865,7 @@
                   </p:txBody>
                 </p:sp>
               </mc:Choice>
-              <mc:Fallback>
+              <mc:Fallback xmlns="">
                 <p:sp>
                   <p:nvSpPr>
                     <p:cNvPr id="21" name="TextBox 20">
@@ -7909,8 +7910,8 @@
                 </p:sp>
               </mc:Fallback>
             </mc:AlternateContent>
-            <mc:AlternateContent xmlns:mc="http://schemas.openxmlformats.org/markup-compatibility/2006">
-              <mc:Choice xmlns:a14="http://schemas.microsoft.com/office/drawing/2010/main" Requires="a14">
+            <mc:AlternateContent xmlns:mc="http://schemas.openxmlformats.org/markup-compatibility/2006" xmlns:a14="http://schemas.microsoft.com/office/drawing/2010/main">
+              <mc:Choice Requires="a14">
                 <p:sp>
                   <p:nvSpPr>
                     <p:cNvPr id="22" name="TextBox 21">
@@ -7992,7 +7993,7 @@
                   </p:txBody>
                 </p:sp>
               </mc:Choice>
-              <mc:Fallback>
+              <mc:Fallback xmlns="">
                 <p:sp>
                   <p:nvSpPr>
                     <p:cNvPr id="22" name="TextBox 21">
@@ -8037,8 +8038,8 @@
                 </p:sp>
               </mc:Fallback>
             </mc:AlternateContent>
-            <mc:AlternateContent xmlns:mc="http://schemas.openxmlformats.org/markup-compatibility/2006">
-              <mc:Choice xmlns:a14="http://schemas.microsoft.com/office/drawing/2010/main" Requires="a14">
+            <mc:AlternateContent xmlns:mc="http://schemas.openxmlformats.org/markup-compatibility/2006" xmlns:a14="http://schemas.microsoft.com/office/drawing/2010/main">
+              <mc:Choice Requires="a14">
                 <p:sp>
                   <p:nvSpPr>
                     <p:cNvPr id="25" name="TextBox 24">
@@ -8214,7 +8215,7 @@
                   </p:txBody>
                 </p:sp>
               </mc:Choice>
-              <mc:Fallback>
+              <mc:Fallback xmlns="">
                 <p:sp>
                   <p:nvSpPr>
                     <p:cNvPr id="25" name="TextBox 24">
@@ -8455,8 +8456,8 @@
             </p:sp>
           </p:grpSp>
         </p:grpSp>
-        <mc:AlternateContent xmlns:mc="http://schemas.openxmlformats.org/markup-compatibility/2006">
-          <mc:Choice xmlns:a14="http://schemas.microsoft.com/office/drawing/2010/main" Requires="a14">
+        <mc:AlternateContent xmlns:mc="http://schemas.openxmlformats.org/markup-compatibility/2006" xmlns:a14="http://schemas.microsoft.com/office/drawing/2010/main">
+          <mc:Choice Requires="a14">
             <p:sp>
               <p:nvSpPr>
                 <p:cNvPr id="38" name="TextBox 37">
@@ -8531,7 +8532,7 @@
               </p:txBody>
             </p:sp>
           </mc:Choice>
-          <mc:Fallback>
+          <mc:Fallback xmlns="">
             <p:sp>
               <p:nvSpPr>
                 <p:cNvPr id="38" name="TextBox 37">
@@ -8576,8 +8577,8 @@
             </p:sp>
           </mc:Fallback>
         </mc:AlternateContent>
-        <mc:AlternateContent xmlns:mc="http://schemas.openxmlformats.org/markup-compatibility/2006">
-          <mc:Choice xmlns:a14="http://schemas.microsoft.com/office/drawing/2010/main" Requires="a14">
+        <mc:AlternateContent xmlns:mc="http://schemas.openxmlformats.org/markup-compatibility/2006" xmlns:a14="http://schemas.microsoft.com/office/drawing/2010/main">
+          <mc:Choice Requires="a14">
             <p:sp>
               <p:nvSpPr>
                 <p:cNvPr id="42" name="TextBox 41">
@@ -8646,7 +8647,7 @@
               </p:txBody>
             </p:sp>
           </mc:Choice>
-          <mc:Fallback>
+          <mc:Fallback xmlns="">
             <p:sp>
               <p:nvSpPr>
                 <p:cNvPr id="42" name="TextBox 41">
@@ -8691,8 +8692,8 @@
             </p:sp>
           </mc:Fallback>
         </mc:AlternateContent>
-        <mc:AlternateContent xmlns:mc="http://schemas.openxmlformats.org/markup-compatibility/2006">
-          <mc:Choice xmlns:a14="http://schemas.microsoft.com/office/drawing/2010/main" Requires="a14">
+        <mc:AlternateContent xmlns:mc="http://schemas.openxmlformats.org/markup-compatibility/2006" xmlns:a14="http://schemas.microsoft.com/office/drawing/2010/main">
+          <mc:Choice Requires="a14">
             <p:sp>
               <p:nvSpPr>
                 <p:cNvPr id="43" name="TextBox 42">
@@ -8761,7 +8762,7 @@
               </p:txBody>
             </p:sp>
           </mc:Choice>
-          <mc:Fallback>
+          <mc:Fallback xmlns="">
             <p:sp>
               <p:nvSpPr>
                 <p:cNvPr id="43" name="TextBox 42">
@@ -8806,8 +8807,8 @@
             </p:sp>
           </mc:Fallback>
         </mc:AlternateContent>
-        <mc:AlternateContent xmlns:mc="http://schemas.openxmlformats.org/markup-compatibility/2006">
-          <mc:Choice xmlns:a14="http://schemas.microsoft.com/office/drawing/2010/main" Requires="a14">
+        <mc:AlternateContent xmlns:mc="http://schemas.openxmlformats.org/markup-compatibility/2006" xmlns:a14="http://schemas.microsoft.com/office/drawing/2010/main">
+          <mc:Choice Requires="a14">
             <p:sp>
               <p:nvSpPr>
                 <p:cNvPr id="47" name="TextBox 46">
@@ -8882,7 +8883,7 @@
               </p:txBody>
             </p:sp>
           </mc:Choice>
-          <mc:Fallback>
+          <mc:Fallback xmlns="">
             <p:sp>
               <p:nvSpPr>
                 <p:cNvPr id="47" name="TextBox 46">
@@ -8932,6 +8933,744 @@
     <p:extLst>
       <p:ext uri="{BB962C8B-B14F-4D97-AF65-F5344CB8AC3E}">
         <p14:creationId xmlns:p14="http://schemas.microsoft.com/office/powerpoint/2010/main" val="1876202686"/>
+      </p:ext>
+    </p:extLst>
+  </p:cSld>
+  <p:clrMapOvr>
+    <a:masterClrMapping/>
+  </p:clrMapOvr>
+</p:sld>
+</file>
+
+<file path=ppt/slides/slide3.xml><?xml version="1.0" encoding="utf-8"?>
+<p:sld xmlns:a="http://schemas.openxmlformats.org/drawingml/2006/main" xmlns:r="http://schemas.openxmlformats.org/officeDocument/2006/relationships" xmlns:p="http://schemas.openxmlformats.org/presentationml/2006/main">
+  <p:cSld>
+    <p:spTree>
+      <p:nvGrpSpPr>
+        <p:cNvPr id="1" name=""/>
+        <p:cNvGrpSpPr/>
+        <p:nvPr/>
+      </p:nvGrpSpPr>
+      <p:grpSpPr>
+        <a:xfrm>
+          <a:off x="0" y="0"/>
+          <a:ext cx="0" cy="0"/>
+          <a:chOff x="0" y="0"/>
+          <a:chExt cx="0" cy="0"/>
+        </a:xfrm>
+      </p:grpSpPr>
+      <p:grpSp>
+        <p:nvGrpSpPr>
+          <p:cNvPr id="19" name="그룹 18">
+            <a:extLst>
+              <a:ext uri="{FF2B5EF4-FFF2-40B4-BE49-F238E27FC236}">
+                <a16:creationId xmlns:a16="http://schemas.microsoft.com/office/drawing/2014/main" id="{BFEB0228-D352-6777-DE4F-901EED1B74D9}"/>
+              </a:ext>
+            </a:extLst>
+          </p:cNvPr>
+          <p:cNvGrpSpPr/>
+          <p:nvPr/>
+        </p:nvGrpSpPr>
+        <p:grpSpPr>
+          <a:xfrm>
+            <a:off x="2079597" y="826929"/>
+            <a:ext cx="4696480" cy="4734586"/>
+            <a:chOff x="1937495" y="1006102"/>
+            <a:chExt cx="4696480" cy="4734586"/>
+          </a:xfrm>
+        </p:grpSpPr>
+        <p:pic>
+          <p:nvPicPr>
+            <p:cNvPr id="5" name="그림 4">
+              <a:extLst>
+                <a:ext uri="{FF2B5EF4-FFF2-40B4-BE49-F238E27FC236}">
+                  <a16:creationId xmlns:a16="http://schemas.microsoft.com/office/drawing/2014/main" id="{6E6FAEB1-0D80-513B-4D70-B3673D4F4D18}"/>
+                </a:ext>
+              </a:extLst>
+            </p:cNvPr>
+            <p:cNvPicPr>
+              <a:picLocks noChangeAspect="1"/>
+            </p:cNvPicPr>
+            <p:nvPr/>
+          </p:nvPicPr>
+          <p:blipFill>
+            <a:blip r:embed="rId2"/>
+            <a:stretch>
+              <a:fillRect/>
+            </a:stretch>
+          </p:blipFill>
+          <p:spPr>
+            <a:xfrm>
+              <a:off x="1937495" y="1006102"/>
+              <a:ext cx="4696480" cy="4734586"/>
+            </a:xfrm>
+            <a:prstGeom prst="rect">
+              <a:avLst/>
+            </a:prstGeom>
+          </p:spPr>
+        </p:pic>
+        <p:cxnSp>
+          <p:nvCxnSpPr>
+            <p:cNvPr id="7" name="직선 화살표 연결선 6">
+              <a:extLst>
+                <a:ext uri="{FF2B5EF4-FFF2-40B4-BE49-F238E27FC236}">
+                  <a16:creationId xmlns:a16="http://schemas.microsoft.com/office/drawing/2014/main" id="{6E0FE1B9-FEC4-21A9-B31C-56FB9EDB5A03}"/>
+                </a:ext>
+              </a:extLst>
+            </p:cNvPr>
+            <p:cNvCxnSpPr>
+              <a:cxnSpLocks/>
+            </p:cNvCxnSpPr>
+            <p:nvPr/>
+          </p:nvCxnSpPr>
+          <p:spPr>
+            <a:xfrm flipV="1">
+              <a:off x="4257675" y="2514600"/>
+              <a:ext cx="746811" cy="890588"/>
+            </a:xfrm>
+            <a:prstGeom prst="straightConnector1">
+              <a:avLst/>
+            </a:prstGeom>
+            <a:ln w="28575">
+              <a:solidFill>
+                <a:srgbClr val="FF0000"/>
+              </a:solidFill>
+              <a:tailEnd type="triangle"/>
+            </a:ln>
+          </p:spPr>
+          <p:style>
+            <a:lnRef idx="1">
+              <a:schemeClr val="accent1"/>
+            </a:lnRef>
+            <a:fillRef idx="0">
+              <a:schemeClr val="accent1"/>
+            </a:fillRef>
+            <a:effectRef idx="0">
+              <a:schemeClr val="accent1"/>
+            </a:effectRef>
+            <a:fontRef idx="minor">
+              <a:schemeClr val="tx1"/>
+            </a:fontRef>
+          </p:style>
+        </p:cxnSp>
+        <mc:AlternateContent xmlns:mc="http://schemas.openxmlformats.org/markup-compatibility/2006">
+          <mc:Choice xmlns:a14="http://schemas.microsoft.com/office/drawing/2010/main" Requires="a14">
+            <p:sp>
+              <p:nvSpPr>
+                <p:cNvPr id="9" name="TextBox 8">
+                  <a:extLst>
+                    <a:ext uri="{FF2B5EF4-FFF2-40B4-BE49-F238E27FC236}">
+                      <a16:creationId xmlns:a16="http://schemas.microsoft.com/office/drawing/2014/main" id="{0A817B5A-010E-6264-9F99-64366F554A94}"/>
+                    </a:ext>
+                  </a:extLst>
+                </p:cNvPr>
+                <p:cNvSpPr txBox="1"/>
+                <p:nvPr/>
+              </p:nvSpPr>
+              <p:spPr>
+                <a:xfrm>
+                  <a:off x="3879085" y="2544396"/>
+                  <a:ext cx="813300" cy="276999"/>
+                </a:xfrm>
+                <a:prstGeom prst="rect">
+                  <a:avLst/>
+                </a:prstGeom>
+                <a:solidFill>
+                  <a:schemeClr val="bg1">
+                    <a:lumMod val="50000"/>
+                    <a:alpha val="50000"/>
+                  </a:schemeClr>
+                </a:solidFill>
+              </p:spPr>
+              <p:txBody>
+                <a:bodyPr wrap="none" lIns="0" tIns="0" rIns="0" bIns="0" rtlCol="0">
+                  <a:spAutoFit/>
+                </a:bodyPr>
+                <a:lstStyle/>
+                <a:p>
+                  <a14:m>
+                    <m:oMathPara xmlns:m="http://schemas.openxmlformats.org/officeDocument/2006/math">
+                      <m:oMathParaPr>
+                        <m:jc m:val="centerGroup"/>
+                      </m:oMathParaPr>
+                      <m:oMath xmlns:m="http://schemas.openxmlformats.org/officeDocument/2006/math">
+                        <m:sSub>
+                          <m:sSubPr>
+                            <m:ctrlPr>
+                              <a:rPr lang="en-US" altLang="ko-KR" b="0" i="1" smtClean="0">
+                                <a:solidFill>
+                                  <a:srgbClr val="FF0000"/>
+                                </a:solidFill>
+                                <a:latin typeface="Cambria Math" panose="02040503050406030204" pitchFamily="18" charset="0"/>
+                              </a:rPr>
+                            </m:ctrlPr>
+                          </m:sSubPr>
+                          <m:e>
+                            <m:r>
+                              <a:rPr lang="en-US" altLang="ko-KR" b="0" i="1" smtClean="0">
+                                <a:solidFill>
+                                  <a:srgbClr val="FF0000"/>
+                                </a:solidFill>
+                                <a:latin typeface="Cambria Math" panose="02040503050406030204" pitchFamily="18" charset="0"/>
+                              </a:rPr>
+                              <m:t>𝜃</m:t>
+                            </m:r>
+                          </m:e>
+                          <m:sub>
+                            <m:r>
+                              <a:rPr lang="en-US" altLang="ko-KR" b="0" i="1" smtClean="0">
+                                <a:solidFill>
+                                  <a:srgbClr val="FF0000"/>
+                                </a:solidFill>
+                                <a:latin typeface="Cambria Math" panose="02040503050406030204" pitchFamily="18" charset="0"/>
+                              </a:rPr>
+                              <m:t>1</m:t>
+                            </m:r>
+                          </m:sub>
+                        </m:sSub>
+                        <m:r>
+                          <a:rPr lang="en-US" altLang="ko-KR" b="0" i="1" smtClean="0">
+                            <a:solidFill>
+                              <a:srgbClr val="FF0000"/>
+                            </a:solidFill>
+                            <a:latin typeface="Cambria Math" panose="02040503050406030204" pitchFamily="18" charset="0"/>
+                          </a:rPr>
+                          <m:t>→</m:t>
+                        </m:r>
+                        <m:sSub>
+                          <m:sSubPr>
+                            <m:ctrlPr>
+                              <a:rPr lang="en-US" altLang="ko-KR" b="0" i="1" smtClean="0">
+                                <a:solidFill>
+                                  <a:srgbClr val="FF0000"/>
+                                </a:solidFill>
+                                <a:latin typeface="Cambria Math" panose="02040503050406030204" pitchFamily="18" charset="0"/>
+                              </a:rPr>
+                            </m:ctrlPr>
+                          </m:sSubPr>
+                          <m:e>
+                            <m:r>
+                              <a:rPr lang="en-US" altLang="ko-KR" b="0" i="1" smtClean="0">
+                                <a:solidFill>
+                                  <a:srgbClr val="FF0000"/>
+                                </a:solidFill>
+                                <a:latin typeface="Cambria Math" panose="02040503050406030204" pitchFamily="18" charset="0"/>
+                              </a:rPr>
+                              <m:t>𝑟</m:t>
+                            </m:r>
+                          </m:e>
+                          <m:sub>
+                            <m:r>
+                              <a:rPr lang="en-US" altLang="ko-KR" b="0" i="1" smtClean="0">
+                                <a:solidFill>
+                                  <a:srgbClr val="FF0000"/>
+                                </a:solidFill>
+                                <a:latin typeface="Cambria Math" panose="02040503050406030204" pitchFamily="18" charset="0"/>
+                              </a:rPr>
+                              <m:t>1</m:t>
+                            </m:r>
+                          </m:sub>
+                        </m:sSub>
+                      </m:oMath>
+                    </m:oMathPara>
+                  </a14:m>
+                  <a:endParaRPr lang="ko-KR" altLang="en-US" dirty="0">
+                    <a:solidFill>
+                      <a:srgbClr val="FF0000"/>
+                    </a:solidFill>
+                  </a:endParaRPr>
+                </a:p>
+              </p:txBody>
+            </p:sp>
+          </mc:Choice>
+          <mc:Fallback>
+            <p:sp>
+              <p:nvSpPr>
+                <p:cNvPr id="9" name="TextBox 8">
+                  <a:extLst>
+                    <a:ext uri="{FF2B5EF4-FFF2-40B4-BE49-F238E27FC236}">
+                      <a16:creationId xmlns:a16="http://schemas.microsoft.com/office/drawing/2014/main" id="{0A817B5A-010E-6264-9F99-64366F554A94}"/>
+                    </a:ext>
+                  </a:extLst>
+                </p:cNvPr>
+                <p:cNvSpPr txBox="1">
+                  <a:spLocks noRot="1" noChangeAspect="1" noMove="1" noResize="1" noEditPoints="1" noAdjustHandles="1" noChangeArrowheads="1" noChangeShapeType="1" noTextEdit="1"/>
+                </p:cNvSpPr>
+                <p:nvPr/>
+              </p:nvSpPr>
+              <p:spPr>
+                <a:xfrm>
+                  <a:off x="3879085" y="2544396"/>
+                  <a:ext cx="813300" cy="276999"/>
+                </a:xfrm>
+                <a:prstGeom prst="rect">
+                  <a:avLst/>
+                </a:prstGeom>
+                <a:blipFill>
+                  <a:blip r:embed="rId3"/>
+                  <a:stretch>
+                    <a:fillRect l="-5263" r="-752" b="-20000"/>
+                  </a:stretch>
+                </a:blipFill>
+              </p:spPr>
+              <p:txBody>
+                <a:bodyPr/>
+                <a:lstStyle/>
+                <a:p>
+                  <a:r>
+                    <a:rPr lang="ko-KR" altLang="en-US">
+                      <a:noFill/>
+                    </a:rPr>
+                    <a:t> </a:t>
+                  </a:r>
+                </a:p>
+              </p:txBody>
+            </p:sp>
+          </mc:Fallback>
+        </mc:AlternateContent>
+        <p:cxnSp>
+          <p:nvCxnSpPr>
+            <p:cNvPr id="10" name="직선 화살표 연결선 9">
+              <a:extLst>
+                <a:ext uri="{FF2B5EF4-FFF2-40B4-BE49-F238E27FC236}">
+                  <a16:creationId xmlns:a16="http://schemas.microsoft.com/office/drawing/2014/main" id="{67EB2339-1788-6DBF-50E4-63626EDFDF61}"/>
+                </a:ext>
+              </a:extLst>
+            </p:cNvPr>
+            <p:cNvCxnSpPr>
+              <a:cxnSpLocks/>
+            </p:cNvCxnSpPr>
+            <p:nvPr/>
+          </p:nvCxnSpPr>
+          <p:spPr>
+            <a:xfrm>
+              <a:off x="4257675" y="3405188"/>
+              <a:ext cx="1624013" cy="0"/>
+            </a:xfrm>
+            <a:prstGeom prst="straightConnector1">
+              <a:avLst/>
+            </a:prstGeom>
+            <a:ln w="28575">
+              <a:solidFill>
+                <a:srgbClr val="FFFF00"/>
+              </a:solidFill>
+              <a:tailEnd type="triangle"/>
+            </a:ln>
+          </p:spPr>
+          <p:style>
+            <a:lnRef idx="1">
+              <a:schemeClr val="accent1"/>
+            </a:lnRef>
+            <a:fillRef idx="0">
+              <a:schemeClr val="accent1"/>
+            </a:fillRef>
+            <a:effectRef idx="0">
+              <a:schemeClr val="accent1"/>
+            </a:effectRef>
+            <a:fontRef idx="minor">
+              <a:schemeClr val="tx1"/>
+            </a:fontRef>
+          </p:style>
+        </p:cxnSp>
+        <mc:AlternateContent xmlns:mc="http://schemas.openxmlformats.org/markup-compatibility/2006">
+          <mc:Choice xmlns:a14="http://schemas.microsoft.com/office/drawing/2010/main" Requires="a14">
+            <p:sp>
+              <p:nvSpPr>
+                <p:cNvPr id="14" name="TextBox 13">
+                  <a:extLst>
+                    <a:ext uri="{FF2B5EF4-FFF2-40B4-BE49-F238E27FC236}">
+                      <a16:creationId xmlns:a16="http://schemas.microsoft.com/office/drawing/2014/main" id="{0C26EAB7-4F67-45FD-F776-27756A5F5AC7}"/>
+                    </a:ext>
+                  </a:extLst>
+                </p:cNvPr>
+                <p:cNvSpPr txBox="1"/>
+                <p:nvPr/>
+              </p:nvSpPr>
+              <p:spPr>
+                <a:xfrm>
+                  <a:off x="4883973" y="3452812"/>
+                  <a:ext cx="823944" cy="276999"/>
+                </a:xfrm>
+                <a:prstGeom prst="rect">
+                  <a:avLst/>
+                </a:prstGeom>
+                <a:solidFill>
+                  <a:schemeClr val="bg1">
+                    <a:lumMod val="50000"/>
+                    <a:alpha val="50000"/>
+                  </a:schemeClr>
+                </a:solidFill>
+              </p:spPr>
+              <p:txBody>
+                <a:bodyPr wrap="none" lIns="0" tIns="0" rIns="0" bIns="0" rtlCol="0">
+                  <a:spAutoFit/>
+                </a:bodyPr>
+                <a:lstStyle/>
+                <a:p>
+                  <a14:m>
+                    <m:oMathPara xmlns:m="http://schemas.openxmlformats.org/officeDocument/2006/math">
+                      <m:oMathParaPr>
+                        <m:jc m:val="centerGroup"/>
+                      </m:oMathParaPr>
+                      <m:oMath xmlns:m="http://schemas.openxmlformats.org/officeDocument/2006/math">
+                        <m:sSub>
+                          <m:sSubPr>
+                            <m:ctrlPr>
+                              <a:rPr lang="en-US" altLang="ko-KR" b="0" i="1" smtClean="0">
+                                <a:solidFill>
+                                  <a:srgbClr val="FFFF00"/>
+                                </a:solidFill>
+                                <a:latin typeface="Cambria Math" panose="02040503050406030204" pitchFamily="18" charset="0"/>
+                              </a:rPr>
+                            </m:ctrlPr>
+                          </m:sSubPr>
+                          <m:e>
+                            <m:r>
+                              <a:rPr lang="en-US" altLang="ko-KR" b="0" i="1" smtClean="0">
+                                <a:solidFill>
+                                  <a:srgbClr val="FFFF00"/>
+                                </a:solidFill>
+                                <a:latin typeface="Cambria Math" panose="02040503050406030204" pitchFamily="18" charset="0"/>
+                              </a:rPr>
+                              <m:t>𝜃</m:t>
+                            </m:r>
+                          </m:e>
+                          <m:sub>
+                            <m:r>
+                              <a:rPr lang="en-US" altLang="ko-KR" b="0" i="1" smtClean="0">
+                                <a:solidFill>
+                                  <a:srgbClr val="FFFF00"/>
+                                </a:solidFill>
+                                <a:latin typeface="Cambria Math" panose="02040503050406030204" pitchFamily="18" charset="0"/>
+                              </a:rPr>
+                              <m:t>2</m:t>
+                            </m:r>
+                          </m:sub>
+                        </m:sSub>
+                        <m:r>
+                          <a:rPr lang="en-US" altLang="ko-KR" b="0" i="1" smtClean="0">
+                            <a:solidFill>
+                              <a:srgbClr val="FFFF00"/>
+                            </a:solidFill>
+                            <a:latin typeface="Cambria Math" panose="02040503050406030204" pitchFamily="18" charset="0"/>
+                          </a:rPr>
+                          <m:t>→</m:t>
+                        </m:r>
+                        <m:sSub>
+                          <m:sSubPr>
+                            <m:ctrlPr>
+                              <a:rPr lang="en-US" altLang="ko-KR" b="0" i="1" smtClean="0">
+                                <a:solidFill>
+                                  <a:srgbClr val="FFFF00"/>
+                                </a:solidFill>
+                                <a:latin typeface="Cambria Math" panose="02040503050406030204" pitchFamily="18" charset="0"/>
+                              </a:rPr>
+                            </m:ctrlPr>
+                          </m:sSubPr>
+                          <m:e>
+                            <m:r>
+                              <a:rPr lang="en-US" altLang="ko-KR" b="0" i="1" smtClean="0">
+                                <a:solidFill>
+                                  <a:srgbClr val="FFFF00"/>
+                                </a:solidFill>
+                                <a:latin typeface="Cambria Math" panose="02040503050406030204" pitchFamily="18" charset="0"/>
+                              </a:rPr>
+                              <m:t>𝑟</m:t>
+                            </m:r>
+                          </m:e>
+                          <m:sub>
+                            <m:r>
+                              <a:rPr lang="en-US" altLang="ko-KR" b="0" i="1" smtClean="0">
+                                <a:solidFill>
+                                  <a:srgbClr val="FFFF00"/>
+                                </a:solidFill>
+                                <a:latin typeface="Cambria Math" panose="02040503050406030204" pitchFamily="18" charset="0"/>
+                              </a:rPr>
+                              <m:t>2</m:t>
+                            </m:r>
+                          </m:sub>
+                        </m:sSub>
+                      </m:oMath>
+                    </m:oMathPara>
+                  </a14:m>
+                  <a:endParaRPr lang="ko-KR" altLang="en-US" dirty="0">
+                    <a:solidFill>
+                      <a:srgbClr val="FFFF00"/>
+                    </a:solidFill>
+                  </a:endParaRPr>
+                </a:p>
+              </p:txBody>
+            </p:sp>
+          </mc:Choice>
+          <mc:Fallback>
+            <p:sp>
+              <p:nvSpPr>
+                <p:cNvPr id="14" name="TextBox 13">
+                  <a:extLst>
+                    <a:ext uri="{FF2B5EF4-FFF2-40B4-BE49-F238E27FC236}">
+                      <a16:creationId xmlns:a16="http://schemas.microsoft.com/office/drawing/2014/main" id="{0C26EAB7-4F67-45FD-F776-27756A5F5AC7}"/>
+                    </a:ext>
+                  </a:extLst>
+                </p:cNvPr>
+                <p:cNvSpPr txBox="1">
+                  <a:spLocks noRot="1" noChangeAspect="1" noMove="1" noResize="1" noEditPoints="1" noAdjustHandles="1" noChangeArrowheads="1" noChangeShapeType="1" noTextEdit="1"/>
+                </p:cNvSpPr>
+                <p:nvPr/>
+              </p:nvSpPr>
+              <p:spPr>
+                <a:xfrm>
+                  <a:off x="4883973" y="3452812"/>
+                  <a:ext cx="823944" cy="276999"/>
+                </a:xfrm>
+                <a:prstGeom prst="rect">
+                  <a:avLst/>
+                </a:prstGeom>
+                <a:blipFill>
+                  <a:blip r:embed="rId4"/>
+                  <a:stretch>
+                    <a:fillRect l="-4412" r="-735" b="-22222"/>
+                  </a:stretch>
+                </a:blipFill>
+              </p:spPr>
+              <p:txBody>
+                <a:bodyPr/>
+                <a:lstStyle/>
+                <a:p>
+                  <a:r>
+                    <a:rPr lang="ko-KR" altLang="en-US">
+                      <a:noFill/>
+                    </a:rPr>
+                    <a:t> </a:t>
+                  </a:r>
+                </a:p>
+              </p:txBody>
+            </p:sp>
+          </mc:Fallback>
+        </mc:AlternateContent>
+        <p:cxnSp>
+          <p:nvCxnSpPr>
+            <p:cNvPr id="15" name="직선 화살표 연결선 14">
+              <a:extLst>
+                <a:ext uri="{FF2B5EF4-FFF2-40B4-BE49-F238E27FC236}">
+                  <a16:creationId xmlns:a16="http://schemas.microsoft.com/office/drawing/2014/main" id="{F4F6E232-9028-E492-79EB-CB52C389E297}"/>
+                </a:ext>
+              </a:extLst>
+            </p:cNvPr>
+            <p:cNvCxnSpPr>
+              <a:cxnSpLocks/>
+            </p:cNvCxnSpPr>
+            <p:nvPr/>
+          </p:nvCxnSpPr>
+          <p:spPr>
+            <a:xfrm>
+              <a:off x="4257675" y="3405188"/>
+              <a:ext cx="1738313" cy="1383446"/>
+            </a:xfrm>
+            <a:prstGeom prst="straightConnector1">
+              <a:avLst/>
+            </a:prstGeom>
+            <a:ln w="28575">
+              <a:solidFill>
+                <a:srgbClr val="01FF18"/>
+              </a:solidFill>
+              <a:tailEnd type="triangle"/>
+            </a:ln>
+          </p:spPr>
+          <p:style>
+            <a:lnRef idx="1">
+              <a:schemeClr val="accent1"/>
+            </a:lnRef>
+            <a:fillRef idx="0">
+              <a:schemeClr val="accent1"/>
+            </a:fillRef>
+            <a:effectRef idx="0">
+              <a:schemeClr val="accent1"/>
+            </a:effectRef>
+            <a:fontRef idx="minor">
+              <a:schemeClr val="tx1"/>
+            </a:fontRef>
+          </p:style>
+        </p:cxnSp>
+        <mc:AlternateContent xmlns:mc="http://schemas.openxmlformats.org/markup-compatibility/2006">
+          <mc:Choice xmlns:a14="http://schemas.microsoft.com/office/drawing/2010/main" Requires="a14">
+            <p:sp>
+              <p:nvSpPr>
+                <p:cNvPr id="18" name="TextBox 17">
+                  <a:extLst>
+                    <a:ext uri="{FF2B5EF4-FFF2-40B4-BE49-F238E27FC236}">
+                      <a16:creationId xmlns:a16="http://schemas.microsoft.com/office/drawing/2014/main" id="{EA269F10-C919-A2BF-9B10-163AC4AB28ED}"/>
+                    </a:ext>
+                  </a:extLst>
+                </p:cNvPr>
+                <p:cNvSpPr txBox="1"/>
+                <p:nvPr/>
+              </p:nvSpPr>
+              <p:spPr>
+                <a:xfrm>
+                  <a:off x="4657709" y="4449336"/>
+                  <a:ext cx="823944" cy="276999"/>
+                </a:xfrm>
+                <a:prstGeom prst="rect">
+                  <a:avLst/>
+                </a:prstGeom>
+                <a:solidFill>
+                  <a:schemeClr val="bg1">
+                    <a:lumMod val="50000"/>
+                    <a:alpha val="50000"/>
+                  </a:schemeClr>
+                </a:solidFill>
+              </p:spPr>
+              <p:txBody>
+                <a:bodyPr wrap="none" lIns="0" tIns="0" rIns="0" bIns="0" rtlCol="0">
+                  <a:spAutoFit/>
+                </a:bodyPr>
+                <a:lstStyle/>
+                <a:p>
+                  <a14:m>
+                    <m:oMathPara xmlns:m="http://schemas.openxmlformats.org/officeDocument/2006/math">
+                      <m:oMathParaPr>
+                        <m:jc m:val="centerGroup"/>
+                      </m:oMathParaPr>
+                      <m:oMath xmlns:m="http://schemas.openxmlformats.org/officeDocument/2006/math">
+                        <m:sSub>
+                          <m:sSubPr>
+                            <m:ctrlPr>
+                              <a:rPr lang="en-US" altLang="ko-KR" b="0" i="1" smtClean="0">
+                                <a:solidFill>
+                                  <a:srgbClr val="01FF18"/>
+                                </a:solidFill>
+                                <a:latin typeface="Cambria Math" panose="02040503050406030204" pitchFamily="18" charset="0"/>
+                              </a:rPr>
+                            </m:ctrlPr>
+                          </m:sSubPr>
+                          <m:e>
+                            <m:r>
+                              <a:rPr lang="en-US" altLang="ko-KR" b="0" i="1" smtClean="0">
+                                <a:solidFill>
+                                  <a:srgbClr val="01FF18"/>
+                                </a:solidFill>
+                                <a:latin typeface="Cambria Math" panose="02040503050406030204" pitchFamily="18" charset="0"/>
+                              </a:rPr>
+                              <m:t>𝜃</m:t>
+                            </m:r>
+                          </m:e>
+                          <m:sub>
+                            <m:r>
+                              <a:rPr lang="en-US" altLang="ko-KR" b="0" i="1" smtClean="0">
+                                <a:solidFill>
+                                  <a:srgbClr val="01FF18"/>
+                                </a:solidFill>
+                                <a:latin typeface="Cambria Math" panose="02040503050406030204" pitchFamily="18" charset="0"/>
+                              </a:rPr>
+                              <m:t>3</m:t>
+                            </m:r>
+                          </m:sub>
+                        </m:sSub>
+                        <m:r>
+                          <a:rPr lang="en-US" altLang="ko-KR" b="0" i="1" smtClean="0">
+                            <a:solidFill>
+                              <a:srgbClr val="01FF18"/>
+                            </a:solidFill>
+                            <a:latin typeface="Cambria Math" panose="02040503050406030204" pitchFamily="18" charset="0"/>
+                          </a:rPr>
+                          <m:t>→</m:t>
+                        </m:r>
+                        <m:sSub>
+                          <m:sSubPr>
+                            <m:ctrlPr>
+                              <a:rPr lang="en-US" altLang="ko-KR" b="0" i="1" smtClean="0">
+                                <a:solidFill>
+                                  <a:srgbClr val="01FF18"/>
+                                </a:solidFill>
+                                <a:latin typeface="Cambria Math" panose="02040503050406030204" pitchFamily="18" charset="0"/>
+                              </a:rPr>
+                            </m:ctrlPr>
+                          </m:sSubPr>
+                          <m:e>
+                            <m:r>
+                              <a:rPr lang="en-US" altLang="ko-KR" b="0" i="1" smtClean="0">
+                                <a:solidFill>
+                                  <a:srgbClr val="01FF18"/>
+                                </a:solidFill>
+                                <a:latin typeface="Cambria Math" panose="02040503050406030204" pitchFamily="18" charset="0"/>
+                              </a:rPr>
+                              <m:t>𝑟</m:t>
+                            </m:r>
+                          </m:e>
+                          <m:sub>
+                            <m:r>
+                              <a:rPr lang="en-US" altLang="ko-KR" b="0" i="1" smtClean="0">
+                                <a:solidFill>
+                                  <a:srgbClr val="01FF18"/>
+                                </a:solidFill>
+                                <a:latin typeface="Cambria Math" panose="02040503050406030204" pitchFamily="18" charset="0"/>
+                              </a:rPr>
+                              <m:t>3</m:t>
+                            </m:r>
+                          </m:sub>
+                        </m:sSub>
+                      </m:oMath>
+                    </m:oMathPara>
+                  </a14:m>
+                  <a:endParaRPr lang="ko-KR" altLang="en-US" dirty="0">
+                    <a:solidFill>
+                      <a:srgbClr val="01FF18"/>
+                    </a:solidFill>
+                  </a:endParaRPr>
+                </a:p>
+              </p:txBody>
+            </p:sp>
+          </mc:Choice>
+          <mc:Fallback>
+            <p:sp>
+              <p:nvSpPr>
+                <p:cNvPr id="18" name="TextBox 17">
+                  <a:extLst>
+                    <a:ext uri="{FF2B5EF4-FFF2-40B4-BE49-F238E27FC236}">
+                      <a16:creationId xmlns:a16="http://schemas.microsoft.com/office/drawing/2014/main" id="{EA269F10-C919-A2BF-9B10-163AC4AB28ED}"/>
+                    </a:ext>
+                  </a:extLst>
+                </p:cNvPr>
+                <p:cNvSpPr txBox="1">
+                  <a:spLocks noRot="1" noChangeAspect="1" noMove="1" noResize="1" noEditPoints="1" noAdjustHandles="1" noChangeArrowheads="1" noChangeShapeType="1" noTextEdit="1"/>
+                </p:cNvSpPr>
+                <p:nvPr/>
+              </p:nvSpPr>
+              <p:spPr>
+                <a:xfrm>
+                  <a:off x="4657709" y="4449336"/>
+                  <a:ext cx="823944" cy="276999"/>
+                </a:xfrm>
+                <a:prstGeom prst="rect">
+                  <a:avLst/>
+                </a:prstGeom>
+                <a:blipFill>
+                  <a:blip r:embed="rId5"/>
+                  <a:stretch>
+                    <a:fillRect l="-4412" r="-735" b="-19565"/>
+                  </a:stretch>
+                </a:blipFill>
+              </p:spPr>
+              <p:txBody>
+                <a:bodyPr/>
+                <a:lstStyle/>
+                <a:p>
+                  <a:r>
+                    <a:rPr lang="ko-KR" altLang="en-US">
+                      <a:noFill/>
+                    </a:rPr>
+                    <a:t> </a:t>
+                  </a:r>
+                </a:p>
+              </p:txBody>
+            </p:sp>
+          </mc:Fallback>
+        </mc:AlternateContent>
+      </p:grpSp>
+    </p:spTree>
+    <p:extLst>
+      <p:ext uri="{BB962C8B-B14F-4D97-AF65-F5344CB8AC3E}">
+        <p14:creationId xmlns:p14="http://schemas.microsoft.com/office/powerpoint/2010/main" val="1763781189"/>
       </p:ext>
     </p:extLst>
   </p:cSld>

--- a/assets/img/vision/concept/fisheye_camera/fisheye_camera.pptx
+++ b/assets/img/vision/concept/fisheye_camera/fisheye_camera.pptx
@@ -8,6 +8,10 @@
     <p:sldId id="257" r:id="rId2"/>
     <p:sldId id="259" r:id="rId3"/>
     <p:sldId id="260" r:id="rId4"/>
+    <p:sldId id="262" r:id="rId5"/>
+    <p:sldId id="263" r:id="rId6"/>
+    <p:sldId id="264" r:id="rId7"/>
+    <p:sldId id="265" r:id="rId8"/>
   </p:sldIdLst>
   <p:sldSz cx="12192000" cy="6858000"/>
   <p:notesSz cx="6858000" cy="9144000"/>
@@ -272,7 +276,7 @@
           <a:p>
             <a:fld id="{40A7B3CA-B784-47CD-B183-33445CB516BC}" type="datetimeFigureOut">
               <a:rPr lang="ko-KR" altLang="en-US" smtClean="0"/>
-              <a:t>2023-07-23</a:t>
+              <a:t>2023-10-15</a:t>
             </a:fld>
             <a:endParaRPr lang="ko-KR" altLang="en-US"/>
           </a:p>
@@ -470,7 +474,7 @@
           <a:p>
             <a:fld id="{40A7B3CA-B784-47CD-B183-33445CB516BC}" type="datetimeFigureOut">
               <a:rPr lang="ko-KR" altLang="en-US" smtClean="0"/>
-              <a:t>2023-07-23</a:t>
+              <a:t>2023-10-15</a:t>
             </a:fld>
             <a:endParaRPr lang="ko-KR" altLang="en-US"/>
           </a:p>
@@ -678,7 +682,7 @@
           <a:p>
             <a:fld id="{40A7B3CA-B784-47CD-B183-33445CB516BC}" type="datetimeFigureOut">
               <a:rPr lang="ko-KR" altLang="en-US" smtClean="0"/>
-              <a:t>2023-07-23</a:t>
+              <a:t>2023-10-15</a:t>
             </a:fld>
             <a:endParaRPr lang="ko-KR" altLang="en-US"/>
           </a:p>
@@ -876,7 +880,7 @@
           <a:p>
             <a:fld id="{40A7B3CA-B784-47CD-B183-33445CB516BC}" type="datetimeFigureOut">
               <a:rPr lang="ko-KR" altLang="en-US" smtClean="0"/>
-              <a:t>2023-07-23</a:t>
+              <a:t>2023-10-15</a:t>
             </a:fld>
             <a:endParaRPr lang="ko-KR" altLang="en-US"/>
           </a:p>
@@ -1151,7 +1155,7 @@
           <a:p>
             <a:fld id="{40A7B3CA-B784-47CD-B183-33445CB516BC}" type="datetimeFigureOut">
               <a:rPr lang="ko-KR" altLang="en-US" smtClean="0"/>
-              <a:t>2023-07-23</a:t>
+              <a:t>2023-10-15</a:t>
             </a:fld>
             <a:endParaRPr lang="ko-KR" altLang="en-US"/>
           </a:p>
@@ -1416,7 +1420,7 @@
           <a:p>
             <a:fld id="{40A7B3CA-B784-47CD-B183-33445CB516BC}" type="datetimeFigureOut">
               <a:rPr lang="ko-KR" altLang="en-US" smtClean="0"/>
-              <a:t>2023-07-23</a:t>
+              <a:t>2023-10-15</a:t>
             </a:fld>
             <a:endParaRPr lang="ko-KR" altLang="en-US"/>
           </a:p>
@@ -1828,7 +1832,7 @@
           <a:p>
             <a:fld id="{40A7B3CA-B784-47CD-B183-33445CB516BC}" type="datetimeFigureOut">
               <a:rPr lang="ko-KR" altLang="en-US" smtClean="0"/>
-              <a:t>2023-07-23</a:t>
+              <a:t>2023-10-15</a:t>
             </a:fld>
             <a:endParaRPr lang="ko-KR" altLang="en-US"/>
           </a:p>
@@ -1969,7 +1973,7 @@
           <a:p>
             <a:fld id="{40A7B3CA-B784-47CD-B183-33445CB516BC}" type="datetimeFigureOut">
               <a:rPr lang="ko-KR" altLang="en-US" smtClean="0"/>
-              <a:t>2023-07-23</a:t>
+              <a:t>2023-10-15</a:t>
             </a:fld>
             <a:endParaRPr lang="ko-KR" altLang="en-US"/>
           </a:p>
@@ -2082,7 +2086,7 @@
           <a:p>
             <a:fld id="{40A7B3CA-B784-47CD-B183-33445CB516BC}" type="datetimeFigureOut">
               <a:rPr lang="ko-KR" altLang="en-US" smtClean="0"/>
-              <a:t>2023-07-23</a:t>
+              <a:t>2023-10-15</a:t>
             </a:fld>
             <a:endParaRPr lang="ko-KR" altLang="en-US"/>
           </a:p>
@@ -2393,7 +2397,7 @@
           <a:p>
             <a:fld id="{40A7B3CA-B784-47CD-B183-33445CB516BC}" type="datetimeFigureOut">
               <a:rPr lang="ko-KR" altLang="en-US" smtClean="0"/>
-              <a:t>2023-07-23</a:t>
+              <a:t>2023-10-15</a:t>
             </a:fld>
             <a:endParaRPr lang="ko-KR" altLang="en-US"/>
           </a:p>
@@ -2681,7 +2685,7 @@
           <a:p>
             <a:fld id="{40A7B3CA-B784-47CD-B183-33445CB516BC}" type="datetimeFigureOut">
               <a:rPr lang="ko-KR" altLang="en-US" smtClean="0"/>
-              <a:t>2023-07-23</a:t>
+              <a:t>2023-10-15</a:t>
             </a:fld>
             <a:endParaRPr lang="ko-KR" altLang="en-US"/>
           </a:p>
@@ -2922,7 +2926,7 @@
           <a:p>
             <a:fld id="{40A7B3CA-B784-47CD-B183-33445CB516BC}" type="datetimeFigureOut">
               <a:rPr lang="ko-KR" altLang="en-US" smtClean="0"/>
-              <a:t>2023-07-23</a:t>
+              <a:t>2023-10-15</a:t>
             </a:fld>
             <a:endParaRPr lang="ko-KR" altLang="en-US"/>
           </a:p>
@@ -9053,8 +9057,8 @@
             </a:fontRef>
           </p:style>
         </p:cxnSp>
-        <mc:AlternateContent xmlns:mc="http://schemas.openxmlformats.org/markup-compatibility/2006">
-          <mc:Choice xmlns:a14="http://schemas.microsoft.com/office/drawing/2010/main" Requires="a14">
+        <mc:AlternateContent xmlns:mc="http://schemas.openxmlformats.org/markup-compatibility/2006" xmlns:a14="http://schemas.microsoft.com/office/drawing/2010/main">
+          <mc:Choice Requires="a14">
             <p:sp>
               <p:nvSpPr>
                 <p:cNvPr id="9" name="TextBox 8">
@@ -9088,6 +9092,7 @@
                 </a:bodyPr>
                 <a:lstStyle/>
                 <a:p>
+                  <a:pPr/>
                   <a14:m>
                     <m:oMathPara xmlns:m="http://schemas.openxmlformats.org/officeDocument/2006/math">
                       <m:oMathParaPr>
@@ -9183,7 +9188,7 @@
               </p:txBody>
             </p:sp>
           </mc:Choice>
-          <mc:Fallback>
+          <mc:Fallback xmlns="">
             <p:sp>
               <p:nvSpPr>
                 <p:cNvPr id="9" name="TextBox 8">
@@ -9272,8 +9277,8 @@
             </a:fontRef>
           </p:style>
         </p:cxnSp>
-        <mc:AlternateContent xmlns:mc="http://schemas.openxmlformats.org/markup-compatibility/2006">
-          <mc:Choice xmlns:a14="http://schemas.microsoft.com/office/drawing/2010/main" Requires="a14">
+        <mc:AlternateContent xmlns:mc="http://schemas.openxmlformats.org/markup-compatibility/2006" xmlns:a14="http://schemas.microsoft.com/office/drawing/2010/main">
+          <mc:Choice Requires="a14">
             <p:sp>
               <p:nvSpPr>
                 <p:cNvPr id="14" name="TextBox 13">
@@ -9307,6 +9312,7 @@
                 </a:bodyPr>
                 <a:lstStyle/>
                 <a:p>
+                  <a:pPr/>
                   <a14:m>
                     <m:oMathPara xmlns:m="http://schemas.openxmlformats.org/officeDocument/2006/math">
                       <m:oMathParaPr>
@@ -9402,7 +9408,7 @@
               </p:txBody>
             </p:sp>
           </mc:Choice>
-          <mc:Fallback>
+          <mc:Fallback xmlns="">
             <p:sp>
               <p:nvSpPr>
                 <p:cNvPr id="14" name="TextBox 13">
@@ -9491,8 +9497,8 @@
             </a:fontRef>
           </p:style>
         </p:cxnSp>
-        <mc:AlternateContent xmlns:mc="http://schemas.openxmlformats.org/markup-compatibility/2006">
-          <mc:Choice xmlns:a14="http://schemas.microsoft.com/office/drawing/2010/main" Requires="a14">
+        <mc:AlternateContent xmlns:mc="http://schemas.openxmlformats.org/markup-compatibility/2006" xmlns:a14="http://schemas.microsoft.com/office/drawing/2010/main">
+          <mc:Choice Requires="a14">
             <p:sp>
               <p:nvSpPr>
                 <p:cNvPr id="18" name="TextBox 17">
@@ -9526,6 +9532,7 @@
                 </a:bodyPr>
                 <a:lstStyle/>
                 <a:p>
+                  <a:pPr/>
                   <a14:m>
                     <m:oMathPara xmlns:m="http://schemas.openxmlformats.org/officeDocument/2006/math">
                       <m:oMathParaPr>
@@ -9621,7 +9628,7 @@
               </p:txBody>
             </p:sp>
           </mc:Choice>
-          <mc:Fallback>
+          <mc:Fallback xmlns="">
             <p:sp>
               <p:nvSpPr>
                 <p:cNvPr id="18" name="TextBox 17">
@@ -9671,6 +9678,2094 @@
     <p:extLst>
       <p:ext uri="{BB962C8B-B14F-4D97-AF65-F5344CB8AC3E}">
         <p14:creationId xmlns:p14="http://schemas.microsoft.com/office/powerpoint/2010/main" val="1763781189"/>
+      </p:ext>
+    </p:extLst>
+  </p:cSld>
+  <p:clrMapOvr>
+    <a:masterClrMapping/>
+  </p:clrMapOvr>
+</p:sld>
+</file>
+
+<file path=ppt/slides/slide4.xml><?xml version="1.0" encoding="utf-8"?>
+<p:sld xmlns:a="http://schemas.openxmlformats.org/drawingml/2006/main" xmlns:r="http://schemas.openxmlformats.org/officeDocument/2006/relationships" xmlns:p="http://schemas.openxmlformats.org/presentationml/2006/main">
+  <p:cSld>
+    <p:spTree>
+      <p:nvGrpSpPr>
+        <p:cNvPr id="1" name=""/>
+        <p:cNvGrpSpPr/>
+        <p:nvPr/>
+      </p:nvGrpSpPr>
+      <p:grpSpPr>
+        <a:xfrm>
+          <a:off x="0" y="0"/>
+          <a:ext cx="0" cy="0"/>
+          <a:chOff x="0" y="0"/>
+          <a:chExt cx="0" cy="0"/>
+        </a:xfrm>
+      </p:grpSpPr>
+      <p:grpSp>
+        <p:nvGrpSpPr>
+          <p:cNvPr id="7" name="그룹 6">
+            <a:extLst>
+              <a:ext uri="{FF2B5EF4-FFF2-40B4-BE49-F238E27FC236}">
+                <a16:creationId xmlns:a16="http://schemas.microsoft.com/office/drawing/2014/main" id="{93CADAE2-F251-7B70-248E-08942F6A6708}"/>
+              </a:ext>
+            </a:extLst>
+          </p:cNvPr>
+          <p:cNvGrpSpPr/>
+          <p:nvPr/>
+        </p:nvGrpSpPr>
+        <p:grpSpPr>
+          <a:xfrm>
+            <a:off x="513571" y="718759"/>
+            <a:ext cx="11164858" cy="5420481"/>
+            <a:chOff x="513571" y="718759"/>
+            <a:chExt cx="11164858" cy="5420481"/>
+          </a:xfrm>
+        </p:grpSpPr>
+        <p:pic>
+          <p:nvPicPr>
+            <p:cNvPr id="5" name="그림 4">
+              <a:extLst>
+                <a:ext uri="{FF2B5EF4-FFF2-40B4-BE49-F238E27FC236}">
+                  <a16:creationId xmlns:a16="http://schemas.microsoft.com/office/drawing/2014/main" id="{6F486DD8-CD44-AD58-FABB-DC5C416403D4}"/>
+                </a:ext>
+              </a:extLst>
+            </p:cNvPr>
+            <p:cNvPicPr>
+              <a:picLocks noChangeAspect="1"/>
+            </p:cNvPicPr>
+            <p:nvPr/>
+          </p:nvPicPr>
+          <p:blipFill>
+            <a:blip r:embed="rId2"/>
+            <a:stretch>
+              <a:fillRect/>
+            </a:stretch>
+          </p:blipFill>
+          <p:spPr>
+            <a:xfrm>
+              <a:off x="513571" y="718759"/>
+              <a:ext cx="11164858" cy="5420481"/>
+            </a:xfrm>
+            <a:prstGeom prst="rect">
+              <a:avLst/>
+            </a:prstGeom>
+          </p:spPr>
+        </p:pic>
+        <p:sp>
+          <p:nvSpPr>
+            <p:cNvPr id="6" name="직사각형 5">
+              <a:extLst>
+                <a:ext uri="{FF2B5EF4-FFF2-40B4-BE49-F238E27FC236}">
+                  <a16:creationId xmlns:a16="http://schemas.microsoft.com/office/drawing/2014/main" id="{B2AA3BCC-2833-7C7B-32DC-F954DB874CD6}"/>
+                </a:ext>
+              </a:extLst>
+            </p:cNvPr>
+            <p:cNvSpPr/>
+            <p:nvPr/>
+          </p:nvSpPr>
+          <p:spPr>
+            <a:xfrm>
+              <a:off x="8216900" y="1358900"/>
+              <a:ext cx="330200" cy="381000"/>
+            </a:xfrm>
+            <a:prstGeom prst="rect">
+              <a:avLst/>
+            </a:prstGeom>
+            <a:noFill/>
+            <a:ln w="28575">
+              <a:solidFill>
+                <a:srgbClr val="FF0000"/>
+              </a:solidFill>
+            </a:ln>
+          </p:spPr>
+          <p:style>
+            <a:lnRef idx="2">
+              <a:schemeClr val="accent1">
+                <a:shade val="15000"/>
+              </a:schemeClr>
+            </a:lnRef>
+            <a:fillRef idx="1">
+              <a:schemeClr val="accent1"/>
+            </a:fillRef>
+            <a:effectRef idx="0">
+              <a:schemeClr val="accent1"/>
+            </a:effectRef>
+            <a:fontRef idx="minor">
+              <a:schemeClr val="lt1"/>
+            </a:fontRef>
+          </p:style>
+          <p:txBody>
+            <a:bodyPr rtlCol="0" anchor="ctr"/>
+            <a:lstStyle/>
+            <a:p>
+              <a:pPr algn="ctr"/>
+              <a:endParaRPr lang="ko-KR" altLang="en-US"/>
+            </a:p>
+          </p:txBody>
+        </p:sp>
+      </p:grpSp>
+    </p:spTree>
+    <p:extLst>
+      <p:ext uri="{BB962C8B-B14F-4D97-AF65-F5344CB8AC3E}">
+        <p14:creationId xmlns:p14="http://schemas.microsoft.com/office/powerpoint/2010/main" val="385933191"/>
+      </p:ext>
+    </p:extLst>
+  </p:cSld>
+  <p:clrMapOvr>
+    <a:masterClrMapping/>
+  </p:clrMapOvr>
+</p:sld>
+</file>
+
+<file path=ppt/slides/slide5.xml><?xml version="1.0" encoding="utf-8"?>
+<p:sld xmlns:a="http://schemas.openxmlformats.org/drawingml/2006/main" xmlns:r="http://schemas.openxmlformats.org/officeDocument/2006/relationships" xmlns:p="http://schemas.openxmlformats.org/presentationml/2006/main">
+  <p:cSld>
+    <p:spTree>
+      <p:nvGrpSpPr>
+        <p:cNvPr id="1" name=""/>
+        <p:cNvGrpSpPr/>
+        <p:nvPr/>
+      </p:nvGrpSpPr>
+      <p:grpSpPr>
+        <a:xfrm>
+          <a:off x="0" y="0"/>
+          <a:ext cx="0" cy="0"/>
+          <a:chOff x="0" y="0"/>
+          <a:chExt cx="0" cy="0"/>
+        </a:xfrm>
+      </p:grpSpPr>
+      <p:grpSp>
+        <p:nvGrpSpPr>
+          <p:cNvPr id="7" name="그룹 6">
+            <a:extLst>
+              <a:ext uri="{FF2B5EF4-FFF2-40B4-BE49-F238E27FC236}">
+                <a16:creationId xmlns:a16="http://schemas.microsoft.com/office/drawing/2014/main" id="{489E0B77-F0D1-9407-5356-B2AD1BFCF2BE}"/>
+              </a:ext>
+            </a:extLst>
+          </p:cNvPr>
+          <p:cNvGrpSpPr/>
+          <p:nvPr/>
+        </p:nvGrpSpPr>
+        <p:grpSpPr>
+          <a:xfrm>
+            <a:off x="751694" y="618741"/>
+            <a:ext cx="11183911" cy="5506218"/>
+            <a:chOff x="504044" y="675891"/>
+            <a:chExt cx="11183911" cy="5506218"/>
+          </a:xfrm>
+        </p:grpSpPr>
+        <p:pic>
+          <p:nvPicPr>
+            <p:cNvPr id="5" name="그림 4">
+              <a:extLst>
+                <a:ext uri="{FF2B5EF4-FFF2-40B4-BE49-F238E27FC236}">
+                  <a16:creationId xmlns:a16="http://schemas.microsoft.com/office/drawing/2014/main" id="{473A6E07-1D90-F2A9-532D-4AF0FD72A086}"/>
+                </a:ext>
+              </a:extLst>
+            </p:cNvPr>
+            <p:cNvPicPr>
+              <a:picLocks noChangeAspect="1"/>
+            </p:cNvPicPr>
+            <p:nvPr/>
+          </p:nvPicPr>
+          <p:blipFill>
+            <a:blip r:embed="rId2"/>
+            <a:stretch>
+              <a:fillRect/>
+            </a:stretch>
+          </p:blipFill>
+          <p:spPr>
+            <a:xfrm>
+              <a:off x="504044" y="675891"/>
+              <a:ext cx="11183911" cy="5506218"/>
+            </a:xfrm>
+            <a:prstGeom prst="rect">
+              <a:avLst/>
+            </a:prstGeom>
+          </p:spPr>
+        </p:pic>
+        <p:sp>
+          <p:nvSpPr>
+            <p:cNvPr id="6" name="직사각형 5">
+              <a:extLst>
+                <a:ext uri="{FF2B5EF4-FFF2-40B4-BE49-F238E27FC236}">
+                  <a16:creationId xmlns:a16="http://schemas.microsoft.com/office/drawing/2014/main" id="{6B68FE4C-C212-3986-7E24-0D48E803C12D}"/>
+                </a:ext>
+              </a:extLst>
+            </p:cNvPr>
+            <p:cNvSpPr/>
+            <p:nvPr/>
+          </p:nvSpPr>
+          <p:spPr>
+            <a:xfrm>
+              <a:off x="8147050" y="1250950"/>
+              <a:ext cx="330200" cy="577850"/>
+            </a:xfrm>
+            <a:prstGeom prst="rect">
+              <a:avLst/>
+            </a:prstGeom>
+            <a:noFill/>
+            <a:ln w="28575">
+              <a:solidFill>
+                <a:srgbClr val="FF0000"/>
+              </a:solidFill>
+            </a:ln>
+          </p:spPr>
+          <p:style>
+            <a:lnRef idx="2">
+              <a:schemeClr val="accent1">
+                <a:shade val="15000"/>
+              </a:schemeClr>
+            </a:lnRef>
+            <a:fillRef idx="1">
+              <a:schemeClr val="accent1"/>
+            </a:fillRef>
+            <a:effectRef idx="0">
+              <a:schemeClr val="accent1"/>
+            </a:effectRef>
+            <a:fontRef idx="minor">
+              <a:schemeClr val="lt1"/>
+            </a:fontRef>
+          </p:style>
+          <p:txBody>
+            <a:bodyPr rtlCol="0" anchor="ctr"/>
+            <a:lstStyle/>
+            <a:p>
+              <a:pPr algn="ctr"/>
+              <a:endParaRPr lang="ko-KR" altLang="en-US"/>
+            </a:p>
+          </p:txBody>
+        </p:sp>
+      </p:grpSp>
+    </p:spTree>
+    <p:extLst>
+      <p:ext uri="{BB962C8B-B14F-4D97-AF65-F5344CB8AC3E}">
+        <p14:creationId xmlns:p14="http://schemas.microsoft.com/office/powerpoint/2010/main" val="3754189115"/>
+      </p:ext>
+    </p:extLst>
+  </p:cSld>
+  <p:clrMapOvr>
+    <a:masterClrMapping/>
+  </p:clrMapOvr>
+</p:sld>
+</file>
+
+<file path=ppt/slides/slide6.xml><?xml version="1.0" encoding="utf-8"?>
+<p:sld xmlns:a="http://schemas.openxmlformats.org/drawingml/2006/main" xmlns:r="http://schemas.openxmlformats.org/officeDocument/2006/relationships" xmlns:p="http://schemas.openxmlformats.org/presentationml/2006/main">
+  <p:cSld>
+    <p:spTree>
+      <p:nvGrpSpPr>
+        <p:cNvPr id="1" name=""/>
+        <p:cNvGrpSpPr/>
+        <p:nvPr/>
+      </p:nvGrpSpPr>
+      <p:grpSpPr>
+        <a:xfrm>
+          <a:off x="0" y="0"/>
+          <a:ext cx="0" cy="0"/>
+          <a:chOff x="0" y="0"/>
+          <a:chExt cx="0" cy="0"/>
+        </a:xfrm>
+      </p:grpSpPr>
+      <p:grpSp>
+        <p:nvGrpSpPr>
+          <p:cNvPr id="57" name="그룹 56">
+            <a:extLst>
+              <a:ext uri="{FF2B5EF4-FFF2-40B4-BE49-F238E27FC236}">
+                <a16:creationId xmlns:a16="http://schemas.microsoft.com/office/drawing/2014/main" id="{1A2E9EF7-2B02-32B2-376D-6FA1A6FAF75B}"/>
+              </a:ext>
+            </a:extLst>
+          </p:cNvPr>
+          <p:cNvGrpSpPr/>
+          <p:nvPr/>
+        </p:nvGrpSpPr>
+        <p:grpSpPr>
+          <a:xfrm>
+            <a:off x="805491" y="812800"/>
+            <a:ext cx="6319209" cy="4867275"/>
+            <a:chOff x="3021641" y="1784350"/>
+            <a:chExt cx="6319209" cy="4867275"/>
+          </a:xfrm>
+        </p:grpSpPr>
+        <p:grpSp>
+          <p:nvGrpSpPr>
+            <p:cNvPr id="6" name="그룹 5">
+              <a:extLst>
+                <a:ext uri="{FF2B5EF4-FFF2-40B4-BE49-F238E27FC236}">
+                  <a16:creationId xmlns:a16="http://schemas.microsoft.com/office/drawing/2014/main" id="{F323C836-BAA5-1696-D5ED-B5D357E1C5B8}"/>
+                </a:ext>
+              </a:extLst>
+            </p:cNvPr>
+            <p:cNvGrpSpPr/>
+            <p:nvPr/>
+          </p:nvGrpSpPr>
+          <p:grpSpPr>
+            <a:xfrm>
+              <a:off x="4060825" y="2581275"/>
+              <a:ext cx="4070350" cy="4070350"/>
+              <a:chOff x="3683000" y="1393825"/>
+              <a:chExt cx="4070350" cy="4070350"/>
+            </a:xfrm>
+          </p:grpSpPr>
+          <p:sp>
+            <p:nvSpPr>
+              <p:cNvPr id="4" name="부분 원형 3">
+                <a:extLst>
+                  <a:ext uri="{FF2B5EF4-FFF2-40B4-BE49-F238E27FC236}">
+                    <a16:creationId xmlns:a16="http://schemas.microsoft.com/office/drawing/2014/main" id="{EC82C670-CCF6-15B0-91B0-620CD07D86D6}"/>
+                  </a:ext>
+                </a:extLst>
+              </p:cNvPr>
+              <p:cNvSpPr/>
+              <p:nvPr/>
+            </p:nvSpPr>
+            <p:spPr>
+              <a:xfrm flipV="1">
+                <a:off x="3683000" y="1393825"/>
+                <a:ext cx="4070350" cy="4070350"/>
+              </a:xfrm>
+              <a:prstGeom prst="pie">
+                <a:avLst>
+                  <a:gd name="adj1" fmla="val 0"/>
+                  <a:gd name="adj2" fmla="val 10797965"/>
+                </a:avLst>
+              </a:prstGeom>
+              <a:noFill/>
+              <a:ln>
+                <a:solidFill>
+                  <a:schemeClr val="tx1"/>
+                </a:solidFill>
+              </a:ln>
+            </p:spPr>
+            <p:style>
+              <a:lnRef idx="2">
+                <a:schemeClr val="accent1">
+                  <a:shade val="15000"/>
+                </a:schemeClr>
+              </a:lnRef>
+              <a:fillRef idx="1">
+                <a:schemeClr val="accent1"/>
+              </a:fillRef>
+              <a:effectRef idx="0">
+                <a:schemeClr val="accent1"/>
+              </a:effectRef>
+              <a:fontRef idx="minor">
+                <a:schemeClr val="lt1"/>
+              </a:fontRef>
+            </p:style>
+            <p:txBody>
+              <a:bodyPr rtlCol="0" anchor="ctr"/>
+              <a:lstStyle/>
+              <a:p>
+                <a:pPr algn="ctr"/>
+                <a:endParaRPr lang="ko-KR" altLang="en-US">
+                  <a:solidFill>
+                    <a:schemeClr val="tx1"/>
+                  </a:solidFill>
+                </a:endParaRPr>
+              </a:p>
+            </p:txBody>
+          </p:sp>
+          <p:sp>
+            <p:nvSpPr>
+              <p:cNvPr id="5" name="타원 4">
+                <a:extLst>
+                  <a:ext uri="{FF2B5EF4-FFF2-40B4-BE49-F238E27FC236}">
+                    <a16:creationId xmlns:a16="http://schemas.microsoft.com/office/drawing/2014/main" id="{BED07942-2E94-A6EB-D347-A36EA3FB16D7}"/>
+                  </a:ext>
+                </a:extLst>
+              </p:cNvPr>
+              <p:cNvSpPr/>
+              <p:nvPr/>
+            </p:nvSpPr>
+            <p:spPr>
+              <a:xfrm>
+                <a:off x="3683000" y="2824162"/>
+                <a:ext cx="4070350" cy="1209675"/>
+              </a:xfrm>
+              <a:prstGeom prst="ellipse">
+                <a:avLst/>
+              </a:prstGeom>
+              <a:solidFill>
+                <a:schemeClr val="bg1"/>
+              </a:solidFill>
+              <a:ln>
+                <a:solidFill>
+                  <a:schemeClr val="tx1"/>
+                </a:solidFill>
+              </a:ln>
+            </p:spPr>
+            <p:style>
+              <a:lnRef idx="2">
+                <a:schemeClr val="accent1">
+                  <a:shade val="15000"/>
+                </a:schemeClr>
+              </a:lnRef>
+              <a:fillRef idx="1">
+                <a:schemeClr val="accent1"/>
+              </a:fillRef>
+              <a:effectRef idx="0">
+                <a:schemeClr val="accent1"/>
+              </a:effectRef>
+              <a:fontRef idx="minor">
+                <a:schemeClr val="lt1"/>
+              </a:fontRef>
+            </p:style>
+            <p:txBody>
+              <a:bodyPr rtlCol="0" anchor="ctr"/>
+              <a:lstStyle/>
+              <a:p>
+                <a:pPr algn="ctr"/>
+                <a:endParaRPr lang="ko-KR" altLang="en-US"/>
+              </a:p>
+            </p:txBody>
+          </p:sp>
+        </p:grpSp>
+        <p:grpSp>
+          <p:nvGrpSpPr>
+            <p:cNvPr id="56" name="그룹 55">
+              <a:extLst>
+                <a:ext uri="{FF2B5EF4-FFF2-40B4-BE49-F238E27FC236}">
+                  <a16:creationId xmlns:a16="http://schemas.microsoft.com/office/drawing/2014/main" id="{4FD82246-CA41-131C-5844-27C047B6291E}"/>
+                </a:ext>
+              </a:extLst>
+            </p:cNvPr>
+            <p:cNvGrpSpPr/>
+            <p:nvPr/>
+          </p:nvGrpSpPr>
+          <p:grpSpPr>
+            <a:xfrm>
+              <a:off x="3021641" y="1784350"/>
+              <a:ext cx="6319209" cy="3689350"/>
+              <a:chOff x="3021641" y="1784350"/>
+              <a:chExt cx="6319209" cy="3689350"/>
+            </a:xfrm>
+          </p:grpSpPr>
+          <p:cxnSp>
+            <p:nvCxnSpPr>
+              <p:cNvPr id="8" name="직선 연결선 7">
+                <a:extLst>
+                  <a:ext uri="{FF2B5EF4-FFF2-40B4-BE49-F238E27FC236}">
+                    <a16:creationId xmlns:a16="http://schemas.microsoft.com/office/drawing/2014/main" id="{8FDD044E-3F79-5D9B-D736-0A308FCCB4B2}"/>
+                  </a:ext>
+                </a:extLst>
+              </p:cNvPr>
+              <p:cNvCxnSpPr>
+                <a:cxnSpLocks/>
+              </p:cNvCxnSpPr>
+              <p:nvPr/>
+            </p:nvCxnSpPr>
+            <p:spPr>
+              <a:xfrm>
+                <a:off x="6096000" y="1784350"/>
+                <a:ext cx="0" cy="3689350"/>
+              </a:xfrm>
+              <a:prstGeom prst="line">
+                <a:avLst/>
+              </a:prstGeom>
+              <a:ln w="19050">
+                <a:solidFill>
+                  <a:schemeClr val="tx1"/>
+                </a:solidFill>
+                <a:prstDash val="sysDash"/>
+                <a:headEnd type="triangle" w="med" len="med"/>
+                <a:tailEnd type="none" w="med" len="med"/>
+              </a:ln>
+            </p:spPr>
+            <p:style>
+              <a:lnRef idx="1">
+                <a:schemeClr val="accent1"/>
+              </a:lnRef>
+              <a:fillRef idx="0">
+                <a:schemeClr val="accent1"/>
+              </a:fillRef>
+              <a:effectRef idx="0">
+                <a:schemeClr val="accent1"/>
+              </a:effectRef>
+              <a:fontRef idx="minor">
+                <a:schemeClr val="tx1"/>
+              </a:fontRef>
+            </p:style>
+          </p:cxnSp>
+          <p:cxnSp>
+            <p:nvCxnSpPr>
+              <p:cNvPr id="11" name="직선 연결선 10">
+                <a:extLst>
+                  <a:ext uri="{FF2B5EF4-FFF2-40B4-BE49-F238E27FC236}">
+                    <a16:creationId xmlns:a16="http://schemas.microsoft.com/office/drawing/2014/main" id="{DC18088A-9E7F-A120-ED77-7E6B4300A1C0}"/>
+                  </a:ext>
+                </a:extLst>
+              </p:cNvPr>
+              <p:cNvCxnSpPr>
+                <a:cxnSpLocks/>
+              </p:cNvCxnSpPr>
+              <p:nvPr/>
+            </p:nvCxnSpPr>
+            <p:spPr>
+              <a:xfrm flipH="1">
+                <a:off x="3060700" y="4616450"/>
+                <a:ext cx="6280150" cy="0"/>
+              </a:xfrm>
+              <a:prstGeom prst="line">
+                <a:avLst/>
+              </a:prstGeom>
+              <a:ln w="19050">
+                <a:solidFill>
+                  <a:schemeClr val="tx1"/>
+                </a:solidFill>
+                <a:prstDash val="sysDash"/>
+                <a:headEnd type="triangle" w="med" len="med"/>
+                <a:tailEnd type="none" w="med" len="med"/>
+              </a:ln>
+            </p:spPr>
+            <p:style>
+              <a:lnRef idx="1">
+                <a:schemeClr val="accent1"/>
+              </a:lnRef>
+              <a:fillRef idx="0">
+                <a:schemeClr val="accent1"/>
+              </a:fillRef>
+              <a:effectRef idx="0">
+                <a:schemeClr val="accent1"/>
+              </a:effectRef>
+              <a:fontRef idx="minor">
+                <a:schemeClr val="tx1"/>
+              </a:fontRef>
+            </p:style>
+          </p:cxnSp>
+          <p:cxnSp>
+            <p:nvCxnSpPr>
+              <p:cNvPr id="15" name="직선 연결선 14">
+                <a:extLst>
+                  <a:ext uri="{FF2B5EF4-FFF2-40B4-BE49-F238E27FC236}">
+                    <a16:creationId xmlns:a16="http://schemas.microsoft.com/office/drawing/2014/main" id="{693125C0-F719-3DD9-623B-ECFC824F4A98}"/>
+                  </a:ext>
+                </a:extLst>
+              </p:cNvPr>
+              <p:cNvCxnSpPr>
+                <a:cxnSpLocks/>
+              </p:cNvCxnSpPr>
+              <p:nvPr/>
+            </p:nvCxnSpPr>
+            <p:spPr>
+              <a:xfrm flipV="1">
+                <a:off x="6097587" y="2250281"/>
+                <a:ext cx="0" cy="2205831"/>
+              </a:xfrm>
+              <a:prstGeom prst="line">
+                <a:avLst/>
+              </a:prstGeom>
+              <a:ln w="19050">
+                <a:solidFill>
+                  <a:srgbClr val="FF0000"/>
+                </a:solidFill>
+                <a:headEnd type="triangle" w="med" len="med"/>
+                <a:tailEnd type="none" w="med" len="med"/>
+              </a:ln>
+            </p:spPr>
+            <p:style>
+              <a:lnRef idx="1">
+                <a:schemeClr val="accent1"/>
+              </a:lnRef>
+              <a:fillRef idx="0">
+                <a:schemeClr val="accent1"/>
+              </a:fillRef>
+              <a:effectRef idx="0">
+                <a:schemeClr val="accent1"/>
+              </a:effectRef>
+              <a:fontRef idx="minor">
+                <a:schemeClr val="tx1"/>
+              </a:fontRef>
+            </p:style>
+          </p:cxnSp>
+          <p:cxnSp>
+            <p:nvCxnSpPr>
+              <p:cNvPr id="24" name="직선 연결선 23">
+                <a:extLst>
+                  <a:ext uri="{FF2B5EF4-FFF2-40B4-BE49-F238E27FC236}">
+                    <a16:creationId xmlns:a16="http://schemas.microsoft.com/office/drawing/2014/main" id="{8166DCB8-606A-834F-AF64-6AD906890219}"/>
+                  </a:ext>
+                </a:extLst>
+              </p:cNvPr>
+              <p:cNvCxnSpPr>
+                <a:cxnSpLocks/>
+              </p:cNvCxnSpPr>
+              <p:nvPr/>
+            </p:nvCxnSpPr>
+            <p:spPr>
+              <a:xfrm flipV="1">
+                <a:off x="6210301" y="2585641"/>
+                <a:ext cx="1701800" cy="1962547"/>
+              </a:xfrm>
+              <a:prstGeom prst="line">
+                <a:avLst/>
+              </a:prstGeom>
+              <a:ln w="19050">
+                <a:solidFill>
+                  <a:srgbClr val="92D050"/>
+                </a:solidFill>
+                <a:headEnd type="triangle" w="med" len="med"/>
+                <a:tailEnd type="none" w="med" len="med"/>
+              </a:ln>
+            </p:spPr>
+            <p:style>
+              <a:lnRef idx="1">
+                <a:schemeClr val="accent1"/>
+              </a:lnRef>
+              <a:fillRef idx="0">
+                <a:schemeClr val="accent1"/>
+              </a:fillRef>
+              <a:effectRef idx="0">
+                <a:schemeClr val="accent1"/>
+              </a:effectRef>
+              <a:fontRef idx="minor">
+                <a:schemeClr val="tx1"/>
+              </a:fontRef>
+            </p:style>
+          </p:cxnSp>
+          <p:cxnSp>
+            <p:nvCxnSpPr>
+              <p:cNvPr id="28" name="직선 연결선 27">
+                <a:extLst>
+                  <a:ext uri="{FF2B5EF4-FFF2-40B4-BE49-F238E27FC236}">
+                    <a16:creationId xmlns:a16="http://schemas.microsoft.com/office/drawing/2014/main" id="{E9EA1C25-9E9D-EA11-50EC-ECF615C6B731}"/>
+                  </a:ext>
+                </a:extLst>
+              </p:cNvPr>
+              <p:cNvCxnSpPr>
+                <a:cxnSpLocks/>
+              </p:cNvCxnSpPr>
+              <p:nvPr/>
+            </p:nvCxnSpPr>
+            <p:spPr>
+              <a:xfrm flipH="1" flipV="1">
+                <a:off x="4304507" y="2604291"/>
+                <a:ext cx="1701800" cy="1962547"/>
+              </a:xfrm>
+              <a:prstGeom prst="line">
+                <a:avLst/>
+              </a:prstGeom>
+              <a:ln w="19050">
+                <a:solidFill>
+                  <a:srgbClr val="92D050"/>
+                </a:solidFill>
+                <a:headEnd type="triangle" w="med" len="med"/>
+                <a:tailEnd type="none" w="med" len="med"/>
+              </a:ln>
+            </p:spPr>
+            <p:style>
+              <a:lnRef idx="1">
+                <a:schemeClr val="accent1"/>
+              </a:lnRef>
+              <a:fillRef idx="0">
+                <a:schemeClr val="accent1"/>
+              </a:fillRef>
+              <a:effectRef idx="0">
+                <a:schemeClr val="accent1"/>
+              </a:effectRef>
+              <a:fontRef idx="minor">
+                <a:schemeClr val="tx1"/>
+              </a:fontRef>
+            </p:style>
+          </p:cxnSp>
+          <p:cxnSp>
+            <p:nvCxnSpPr>
+              <p:cNvPr id="29" name="직선 연결선 28">
+                <a:extLst>
+                  <a:ext uri="{FF2B5EF4-FFF2-40B4-BE49-F238E27FC236}">
+                    <a16:creationId xmlns:a16="http://schemas.microsoft.com/office/drawing/2014/main" id="{543640DD-AF73-E823-AE5C-AB2E5636612E}"/>
+                  </a:ext>
+                </a:extLst>
+              </p:cNvPr>
+              <p:cNvCxnSpPr>
+                <a:cxnSpLocks/>
+              </p:cNvCxnSpPr>
+              <p:nvPr/>
+            </p:nvCxnSpPr>
+            <p:spPr>
+              <a:xfrm flipH="1" flipV="1">
+                <a:off x="5080000" y="2288776"/>
+                <a:ext cx="963614" cy="2209800"/>
+              </a:xfrm>
+              <a:prstGeom prst="line">
+                <a:avLst/>
+              </a:prstGeom>
+              <a:ln w="19050">
+                <a:solidFill>
+                  <a:srgbClr val="FFC000"/>
+                </a:solidFill>
+                <a:headEnd type="triangle" w="med" len="med"/>
+                <a:tailEnd type="none" w="med" len="med"/>
+              </a:ln>
+            </p:spPr>
+            <p:style>
+              <a:lnRef idx="1">
+                <a:schemeClr val="accent1"/>
+              </a:lnRef>
+              <a:fillRef idx="0">
+                <a:schemeClr val="accent1"/>
+              </a:fillRef>
+              <a:effectRef idx="0">
+                <a:schemeClr val="accent1"/>
+              </a:effectRef>
+              <a:fontRef idx="minor">
+                <a:schemeClr val="tx1"/>
+              </a:fontRef>
+            </p:style>
+          </p:cxnSp>
+          <p:cxnSp>
+            <p:nvCxnSpPr>
+              <p:cNvPr id="33" name="직선 연결선 32">
+                <a:extLst>
+                  <a:ext uri="{FF2B5EF4-FFF2-40B4-BE49-F238E27FC236}">
+                    <a16:creationId xmlns:a16="http://schemas.microsoft.com/office/drawing/2014/main" id="{DC2CDDB6-010E-7366-7B84-E88C4F5F4C0F}"/>
+                  </a:ext>
+                </a:extLst>
+              </p:cNvPr>
+              <p:cNvCxnSpPr>
+                <a:cxnSpLocks/>
+              </p:cNvCxnSpPr>
+              <p:nvPr/>
+            </p:nvCxnSpPr>
+            <p:spPr>
+              <a:xfrm flipV="1">
+                <a:off x="6147593" y="2285205"/>
+                <a:ext cx="963614" cy="2209800"/>
+              </a:xfrm>
+              <a:prstGeom prst="line">
+                <a:avLst/>
+              </a:prstGeom>
+              <a:ln w="19050">
+                <a:solidFill>
+                  <a:srgbClr val="FFC000"/>
+                </a:solidFill>
+                <a:headEnd type="triangle" w="med" len="med"/>
+                <a:tailEnd type="none" w="med" len="med"/>
+              </a:ln>
+            </p:spPr>
+            <p:style>
+              <a:lnRef idx="1">
+                <a:schemeClr val="accent1"/>
+              </a:lnRef>
+              <a:fillRef idx="0">
+                <a:schemeClr val="accent1"/>
+              </a:fillRef>
+              <a:effectRef idx="0">
+                <a:schemeClr val="accent1"/>
+              </a:effectRef>
+              <a:fontRef idx="minor">
+                <a:schemeClr val="tx1"/>
+              </a:fontRef>
+            </p:style>
+          </p:cxnSp>
+          <p:cxnSp>
+            <p:nvCxnSpPr>
+              <p:cNvPr id="34" name="직선 연결선 33">
+                <a:extLst>
+                  <a:ext uri="{FF2B5EF4-FFF2-40B4-BE49-F238E27FC236}">
+                    <a16:creationId xmlns:a16="http://schemas.microsoft.com/office/drawing/2014/main" id="{82FE6DF1-BD3F-D895-7321-510D8598B780}"/>
+                  </a:ext>
+                </a:extLst>
+              </p:cNvPr>
+              <p:cNvCxnSpPr>
+                <a:cxnSpLocks/>
+              </p:cNvCxnSpPr>
+              <p:nvPr/>
+            </p:nvCxnSpPr>
+            <p:spPr>
+              <a:xfrm>
+                <a:off x="6245227" y="4614862"/>
+                <a:ext cx="2241548" cy="0"/>
+              </a:xfrm>
+              <a:prstGeom prst="line">
+                <a:avLst/>
+              </a:prstGeom>
+              <a:ln w="19050">
+                <a:solidFill>
+                  <a:srgbClr val="00B0F0"/>
+                </a:solidFill>
+                <a:headEnd type="triangle" w="med" len="med"/>
+                <a:tailEnd type="none" w="med" len="med"/>
+              </a:ln>
+            </p:spPr>
+            <p:style>
+              <a:lnRef idx="1">
+                <a:schemeClr val="accent1"/>
+              </a:lnRef>
+              <a:fillRef idx="0">
+                <a:schemeClr val="accent1"/>
+              </a:fillRef>
+              <a:effectRef idx="0">
+                <a:schemeClr val="accent1"/>
+              </a:effectRef>
+              <a:fontRef idx="minor">
+                <a:schemeClr val="tx1"/>
+              </a:fontRef>
+            </p:style>
+          </p:cxnSp>
+          <p:cxnSp>
+            <p:nvCxnSpPr>
+              <p:cNvPr id="38" name="직선 연결선 37">
+                <a:extLst>
+                  <a:ext uri="{FF2B5EF4-FFF2-40B4-BE49-F238E27FC236}">
+                    <a16:creationId xmlns:a16="http://schemas.microsoft.com/office/drawing/2014/main" id="{ED675D58-0452-CCC4-538A-BC9EE547F637}"/>
+                  </a:ext>
+                </a:extLst>
+              </p:cNvPr>
+              <p:cNvCxnSpPr>
+                <a:cxnSpLocks/>
+              </p:cNvCxnSpPr>
+              <p:nvPr/>
+            </p:nvCxnSpPr>
+            <p:spPr>
+              <a:xfrm>
+                <a:off x="6180134" y="4679951"/>
+                <a:ext cx="2941636" cy="218677"/>
+              </a:xfrm>
+              <a:prstGeom prst="line">
+                <a:avLst/>
+              </a:prstGeom>
+              <a:ln w="19050">
+                <a:solidFill>
+                  <a:srgbClr val="002060"/>
+                </a:solidFill>
+                <a:headEnd type="triangle" w="med" len="med"/>
+                <a:tailEnd type="none" w="med" len="med"/>
+              </a:ln>
+            </p:spPr>
+            <p:style>
+              <a:lnRef idx="1">
+                <a:schemeClr val="accent1"/>
+              </a:lnRef>
+              <a:fillRef idx="0">
+                <a:schemeClr val="accent1"/>
+              </a:fillRef>
+              <a:effectRef idx="0">
+                <a:schemeClr val="accent1"/>
+              </a:effectRef>
+              <a:fontRef idx="minor">
+                <a:schemeClr val="tx1"/>
+              </a:fontRef>
+            </p:style>
+          </p:cxnSp>
+          <p:cxnSp>
+            <p:nvCxnSpPr>
+              <p:cNvPr id="42" name="직선 연결선 41">
+                <a:extLst>
+                  <a:ext uri="{FF2B5EF4-FFF2-40B4-BE49-F238E27FC236}">
+                    <a16:creationId xmlns:a16="http://schemas.microsoft.com/office/drawing/2014/main" id="{19E23F8F-2D07-37F4-47D7-C3B3D620539D}"/>
+                  </a:ext>
+                </a:extLst>
+              </p:cNvPr>
+              <p:cNvCxnSpPr>
+                <a:cxnSpLocks/>
+              </p:cNvCxnSpPr>
+              <p:nvPr/>
+            </p:nvCxnSpPr>
+            <p:spPr>
+              <a:xfrm flipH="1">
+                <a:off x="3749679" y="4618831"/>
+                <a:ext cx="2241548" cy="0"/>
+              </a:xfrm>
+              <a:prstGeom prst="line">
+                <a:avLst/>
+              </a:prstGeom>
+              <a:ln w="19050">
+                <a:solidFill>
+                  <a:srgbClr val="00B0F0"/>
+                </a:solidFill>
+                <a:headEnd type="triangle" w="med" len="med"/>
+                <a:tailEnd type="none" w="med" len="med"/>
+              </a:ln>
+            </p:spPr>
+            <p:style>
+              <a:lnRef idx="1">
+                <a:schemeClr val="accent1"/>
+              </a:lnRef>
+              <a:fillRef idx="0">
+                <a:schemeClr val="accent1"/>
+              </a:fillRef>
+              <a:effectRef idx="0">
+                <a:schemeClr val="accent1"/>
+              </a:effectRef>
+              <a:fontRef idx="minor">
+                <a:schemeClr val="tx1"/>
+              </a:fontRef>
+            </p:style>
+          </p:cxnSp>
+          <p:cxnSp>
+            <p:nvCxnSpPr>
+              <p:cNvPr id="45" name="직선 연결선 44">
+                <a:extLst>
+                  <a:ext uri="{FF2B5EF4-FFF2-40B4-BE49-F238E27FC236}">
+                    <a16:creationId xmlns:a16="http://schemas.microsoft.com/office/drawing/2014/main" id="{894AE847-D53A-2666-C928-C2D8ECBEE863}"/>
+                  </a:ext>
+                </a:extLst>
+              </p:cNvPr>
+              <p:cNvCxnSpPr>
+                <a:cxnSpLocks/>
+              </p:cNvCxnSpPr>
+              <p:nvPr/>
+            </p:nvCxnSpPr>
+            <p:spPr>
+              <a:xfrm flipH="1">
+                <a:off x="3070231" y="4679155"/>
+                <a:ext cx="2941636" cy="218677"/>
+              </a:xfrm>
+              <a:prstGeom prst="line">
+                <a:avLst/>
+              </a:prstGeom>
+              <a:ln w="19050">
+                <a:solidFill>
+                  <a:srgbClr val="002060"/>
+                </a:solidFill>
+                <a:headEnd type="triangle" w="med" len="med"/>
+                <a:tailEnd type="none" w="med" len="med"/>
+              </a:ln>
+            </p:spPr>
+            <p:style>
+              <a:lnRef idx="1">
+                <a:schemeClr val="accent1"/>
+              </a:lnRef>
+              <a:fillRef idx="0">
+                <a:schemeClr val="accent1"/>
+              </a:fillRef>
+              <a:effectRef idx="0">
+                <a:schemeClr val="accent1"/>
+              </a:effectRef>
+              <a:fontRef idx="minor">
+                <a:schemeClr val="tx1"/>
+              </a:fontRef>
+            </p:style>
+          </p:cxnSp>
+          <mc:AlternateContent xmlns:mc="http://schemas.openxmlformats.org/markup-compatibility/2006">
+            <mc:Choice xmlns:a14="http://schemas.microsoft.com/office/drawing/2010/main" Requires="a14">
+              <p:sp>
+                <p:nvSpPr>
+                  <p:cNvPr id="46" name="TextBox 45">
+                    <a:extLst>
+                      <a:ext uri="{FF2B5EF4-FFF2-40B4-BE49-F238E27FC236}">
+                        <a16:creationId xmlns:a16="http://schemas.microsoft.com/office/drawing/2014/main" id="{D1B13CE4-5128-6363-56DD-8C0879675A18}"/>
+                      </a:ext>
+                    </a:extLst>
+                  </p:cNvPr>
+                  <p:cNvSpPr txBox="1"/>
+                  <p:nvPr/>
+                </p:nvSpPr>
+                <p:spPr>
+                  <a:xfrm>
+                    <a:off x="6119634" y="2182831"/>
+                    <a:ext cx="197170" cy="184666"/>
+                  </a:xfrm>
+                  <a:prstGeom prst="rect">
+                    <a:avLst/>
+                  </a:prstGeom>
+                  <a:noFill/>
+                </p:spPr>
+                <p:txBody>
+                  <a:bodyPr wrap="none" lIns="0" tIns="0" rIns="0" bIns="0" rtlCol="0">
+                    <a:spAutoFit/>
+                  </a:bodyPr>
+                  <a:lstStyle/>
+                  <a:p>
+                    <a14:m>
+                      <m:oMathPara xmlns:m="http://schemas.openxmlformats.org/officeDocument/2006/math">
+                        <m:oMathParaPr>
+                          <m:jc m:val="centerGroup"/>
+                        </m:oMathParaPr>
+                        <m:oMath xmlns:m="http://schemas.openxmlformats.org/officeDocument/2006/math">
+                          <m:r>
+                            <a:rPr lang="en-US" altLang="ko-KR" sz="1200" b="0" i="1" smtClean="0">
+                              <a:solidFill>
+                                <a:srgbClr val="FF0000"/>
+                              </a:solidFill>
+                              <a:latin typeface="Cambria Math" panose="02040503050406030204" pitchFamily="18" charset="0"/>
+                            </a:rPr>
+                            <m:t>0°</m:t>
+                          </m:r>
+                        </m:oMath>
+                      </m:oMathPara>
+                    </a14:m>
+                    <a:endParaRPr lang="ko-KR" altLang="en-US" sz="1200" dirty="0">
+                      <a:solidFill>
+                        <a:srgbClr val="FF0000"/>
+                      </a:solidFill>
+                    </a:endParaRPr>
+                  </a:p>
+                </p:txBody>
+              </p:sp>
+            </mc:Choice>
+            <mc:Fallback>
+              <p:sp>
+                <p:nvSpPr>
+                  <p:cNvPr id="46" name="TextBox 45">
+                    <a:extLst>
+                      <a:ext uri="{FF2B5EF4-FFF2-40B4-BE49-F238E27FC236}">
+                        <a16:creationId xmlns:a16="http://schemas.microsoft.com/office/drawing/2014/main" id="{D1B13CE4-5128-6363-56DD-8C0879675A18}"/>
+                      </a:ext>
+                    </a:extLst>
+                  </p:cNvPr>
+                  <p:cNvSpPr txBox="1">
+                    <a:spLocks noRot="1" noChangeAspect="1" noMove="1" noResize="1" noEditPoints="1" noAdjustHandles="1" noChangeArrowheads="1" noChangeShapeType="1" noTextEdit="1"/>
+                  </p:cNvSpPr>
+                  <p:nvPr/>
+                </p:nvSpPr>
+                <p:spPr>
+                  <a:xfrm>
+                    <a:off x="6119634" y="2182831"/>
+                    <a:ext cx="197170" cy="184666"/>
+                  </a:xfrm>
+                  <a:prstGeom prst="rect">
+                    <a:avLst/>
+                  </a:prstGeom>
+                  <a:blipFill>
+                    <a:blip r:embed="rId2"/>
+                    <a:stretch>
+                      <a:fillRect l="-12121" r="-12121" b="-10000"/>
+                    </a:stretch>
+                  </a:blipFill>
+                </p:spPr>
+                <p:txBody>
+                  <a:bodyPr/>
+                  <a:lstStyle/>
+                  <a:p>
+                    <a:r>
+                      <a:rPr lang="ko-KR" altLang="en-US">
+                        <a:noFill/>
+                      </a:rPr>
+                      <a:t> </a:t>
+                    </a:r>
+                  </a:p>
+                </p:txBody>
+              </p:sp>
+            </mc:Fallback>
+          </mc:AlternateContent>
+          <mc:AlternateContent xmlns:mc="http://schemas.openxmlformats.org/markup-compatibility/2006">
+            <mc:Choice xmlns:a14="http://schemas.microsoft.com/office/drawing/2010/main" Requires="a14">
+              <p:sp>
+                <p:nvSpPr>
+                  <p:cNvPr id="47" name="TextBox 46">
+                    <a:extLst>
+                      <a:ext uri="{FF2B5EF4-FFF2-40B4-BE49-F238E27FC236}">
+                        <a16:creationId xmlns:a16="http://schemas.microsoft.com/office/drawing/2014/main" id="{7F873B04-B830-CC3E-FE4C-066E59A3FFC7}"/>
+                      </a:ext>
+                    </a:extLst>
+                  </p:cNvPr>
+                  <p:cNvSpPr txBox="1"/>
+                  <p:nvPr/>
+                </p:nvSpPr>
+                <p:spPr>
+                  <a:xfrm>
+                    <a:off x="7083872" y="2362478"/>
+                    <a:ext cx="282129" cy="184666"/>
+                  </a:xfrm>
+                  <a:prstGeom prst="rect">
+                    <a:avLst/>
+                  </a:prstGeom>
+                  <a:noFill/>
+                </p:spPr>
+                <p:txBody>
+                  <a:bodyPr wrap="none" lIns="0" tIns="0" rIns="0" bIns="0" rtlCol="0">
+                    <a:spAutoFit/>
+                  </a:bodyPr>
+                  <a:lstStyle/>
+                  <a:p>
+                    <a14:m>
+                      <m:oMathPara xmlns:m="http://schemas.openxmlformats.org/officeDocument/2006/math">
+                        <m:oMathParaPr>
+                          <m:jc m:val="centerGroup"/>
+                        </m:oMathParaPr>
+                        <m:oMath xmlns:m="http://schemas.openxmlformats.org/officeDocument/2006/math">
+                          <m:r>
+                            <a:rPr lang="en-US" altLang="ko-KR" sz="1200" b="0" i="1" smtClean="0">
+                              <a:solidFill>
+                                <a:srgbClr val="FFC000"/>
+                              </a:solidFill>
+                              <a:latin typeface="Cambria Math" panose="02040503050406030204" pitchFamily="18" charset="0"/>
+                            </a:rPr>
+                            <m:t>30°</m:t>
+                          </m:r>
+                        </m:oMath>
+                      </m:oMathPara>
+                    </a14:m>
+                    <a:endParaRPr lang="ko-KR" altLang="en-US" sz="1200" dirty="0">
+                      <a:solidFill>
+                        <a:srgbClr val="FFC000"/>
+                      </a:solidFill>
+                    </a:endParaRPr>
+                  </a:p>
+                </p:txBody>
+              </p:sp>
+            </mc:Choice>
+            <mc:Fallback>
+              <p:sp>
+                <p:nvSpPr>
+                  <p:cNvPr id="47" name="TextBox 46">
+                    <a:extLst>
+                      <a:ext uri="{FF2B5EF4-FFF2-40B4-BE49-F238E27FC236}">
+                        <a16:creationId xmlns:a16="http://schemas.microsoft.com/office/drawing/2014/main" id="{7F873B04-B830-CC3E-FE4C-066E59A3FFC7}"/>
+                      </a:ext>
+                    </a:extLst>
+                  </p:cNvPr>
+                  <p:cNvSpPr txBox="1">
+                    <a:spLocks noRot="1" noChangeAspect="1" noMove="1" noResize="1" noEditPoints="1" noAdjustHandles="1" noChangeArrowheads="1" noChangeShapeType="1" noTextEdit="1"/>
+                  </p:cNvSpPr>
+                  <p:nvPr/>
+                </p:nvSpPr>
+                <p:spPr>
+                  <a:xfrm>
+                    <a:off x="7083872" y="2362478"/>
+                    <a:ext cx="282129" cy="184666"/>
+                  </a:xfrm>
+                  <a:prstGeom prst="rect">
+                    <a:avLst/>
+                  </a:prstGeom>
+                  <a:blipFill>
+                    <a:blip r:embed="rId3"/>
+                    <a:stretch>
+                      <a:fillRect l="-8696" r="-10870" b="-10000"/>
+                    </a:stretch>
+                  </a:blipFill>
+                </p:spPr>
+                <p:txBody>
+                  <a:bodyPr/>
+                  <a:lstStyle/>
+                  <a:p>
+                    <a:r>
+                      <a:rPr lang="ko-KR" altLang="en-US">
+                        <a:noFill/>
+                      </a:rPr>
+                      <a:t> </a:t>
+                    </a:r>
+                  </a:p>
+                </p:txBody>
+              </p:sp>
+            </mc:Fallback>
+          </mc:AlternateContent>
+          <mc:AlternateContent xmlns:mc="http://schemas.openxmlformats.org/markup-compatibility/2006">
+            <mc:Choice xmlns:a14="http://schemas.microsoft.com/office/drawing/2010/main" Requires="a14">
+              <p:sp>
+                <p:nvSpPr>
+                  <p:cNvPr id="48" name="TextBox 47">
+                    <a:extLst>
+                      <a:ext uri="{FF2B5EF4-FFF2-40B4-BE49-F238E27FC236}">
+                        <a16:creationId xmlns:a16="http://schemas.microsoft.com/office/drawing/2014/main" id="{4BD51AB4-9601-4DE7-C5C3-91A66BC31686}"/>
+                      </a:ext>
+                    </a:extLst>
+                  </p:cNvPr>
+                  <p:cNvSpPr txBox="1"/>
+                  <p:nvPr/>
+                </p:nvSpPr>
+                <p:spPr>
+                  <a:xfrm>
+                    <a:off x="4796283" y="2362478"/>
+                    <a:ext cx="282129" cy="184666"/>
+                  </a:xfrm>
+                  <a:prstGeom prst="rect">
+                    <a:avLst/>
+                  </a:prstGeom>
+                  <a:noFill/>
+                </p:spPr>
+                <p:txBody>
+                  <a:bodyPr wrap="none" lIns="0" tIns="0" rIns="0" bIns="0" rtlCol="0">
+                    <a:spAutoFit/>
+                  </a:bodyPr>
+                  <a:lstStyle/>
+                  <a:p>
+                    <a14:m>
+                      <m:oMathPara xmlns:m="http://schemas.openxmlformats.org/officeDocument/2006/math">
+                        <m:oMathParaPr>
+                          <m:jc m:val="centerGroup"/>
+                        </m:oMathParaPr>
+                        <m:oMath xmlns:m="http://schemas.openxmlformats.org/officeDocument/2006/math">
+                          <m:r>
+                            <a:rPr lang="en-US" altLang="ko-KR" sz="1200" b="0" i="1" smtClean="0">
+                              <a:solidFill>
+                                <a:srgbClr val="FFC000"/>
+                              </a:solidFill>
+                              <a:latin typeface="Cambria Math" panose="02040503050406030204" pitchFamily="18" charset="0"/>
+                            </a:rPr>
+                            <m:t>30°</m:t>
+                          </m:r>
+                        </m:oMath>
+                      </m:oMathPara>
+                    </a14:m>
+                    <a:endParaRPr lang="ko-KR" altLang="en-US" sz="1200" dirty="0">
+                      <a:solidFill>
+                        <a:srgbClr val="FFC000"/>
+                      </a:solidFill>
+                    </a:endParaRPr>
+                  </a:p>
+                </p:txBody>
+              </p:sp>
+            </mc:Choice>
+            <mc:Fallback>
+              <p:sp>
+                <p:nvSpPr>
+                  <p:cNvPr id="48" name="TextBox 47">
+                    <a:extLst>
+                      <a:ext uri="{FF2B5EF4-FFF2-40B4-BE49-F238E27FC236}">
+                        <a16:creationId xmlns:a16="http://schemas.microsoft.com/office/drawing/2014/main" id="{4BD51AB4-9601-4DE7-C5C3-91A66BC31686}"/>
+                      </a:ext>
+                    </a:extLst>
+                  </p:cNvPr>
+                  <p:cNvSpPr txBox="1">
+                    <a:spLocks noRot="1" noChangeAspect="1" noMove="1" noResize="1" noEditPoints="1" noAdjustHandles="1" noChangeArrowheads="1" noChangeShapeType="1" noTextEdit="1"/>
+                  </p:cNvSpPr>
+                  <p:nvPr/>
+                </p:nvSpPr>
+                <p:spPr>
+                  <a:xfrm>
+                    <a:off x="4796283" y="2362478"/>
+                    <a:ext cx="282129" cy="184666"/>
+                  </a:xfrm>
+                  <a:prstGeom prst="rect">
+                    <a:avLst/>
+                  </a:prstGeom>
+                  <a:blipFill>
+                    <a:blip r:embed="rId3"/>
+                    <a:stretch>
+                      <a:fillRect l="-8511" r="-8511" b="-10000"/>
+                    </a:stretch>
+                  </a:blipFill>
+                </p:spPr>
+                <p:txBody>
+                  <a:bodyPr/>
+                  <a:lstStyle/>
+                  <a:p>
+                    <a:r>
+                      <a:rPr lang="ko-KR" altLang="en-US">
+                        <a:noFill/>
+                      </a:rPr>
+                      <a:t> </a:t>
+                    </a:r>
+                  </a:p>
+                </p:txBody>
+              </p:sp>
+            </mc:Fallback>
+          </mc:AlternateContent>
+          <mc:AlternateContent xmlns:mc="http://schemas.openxmlformats.org/markup-compatibility/2006">
+            <mc:Choice xmlns:a14="http://schemas.microsoft.com/office/drawing/2010/main" Requires="a14">
+              <p:sp>
+                <p:nvSpPr>
+                  <p:cNvPr id="49" name="TextBox 48">
+                    <a:extLst>
+                      <a:ext uri="{FF2B5EF4-FFF2-40B4-BE49-F238E27FC236}">
+                        <a16:creationId xmlns:a16="http://schemas.microsoft.com/office/drawing/2014/main" id="{92ADCF16-BFC9-8E27-9044-53B749F41197}"/>
+                      </a:ext>
+                    </a:extLst>
+                  </p:cNvPr>
+                  <p:cNvSpPr txBox="1"/>
+                  <p:nvPr/>
+                </p:nvSpPr>
+                <p:spPr>
+                  <a:xfrm>
+                    <a:off x="4132089" y="2739106"/>
+                    <a:ext cx="282129" cy="184666"/>
+                  </a:xfrm>
+                  <a:prstGeom prst="rect">
+                    <a:avLst/>
+                  </a:prstGeom>
+                  <a:noFill/>
+                </p:spPr>
+                <p:txBody>
+                  <a:bodyPr wrap="none" lIns="0" tIns="0" rIns="0" bIns="0" rtlCol="0">
+                    <a:spAutoFit/>
+                  </a:bodyPr>
+                  <a:lstStyle/>
+                  <a:p>
+                    <a14:m>
+                      <m:oMathPara xmlns:m="http://schemas.openxmlformats.org/officeDocument/2006/math">
+                        <m:oMathParaPr>
+                          <m:jc m:val="centerGroup"/>
+                        </m:oMathParaPr>
+                        <m:oMath xmlns:m="http://schemas.openxmlformats.org/officeDocument/2006/math">
+                          <m:r>
+                            <a:rPr lang="en-US" altLang="ko-KR" sz="1200" b="0" i="1" smtClean="0">
+                              <a:solidFill>
+                                <a:srgbClr val="92D050"/>
+                              </a:solidFill>
+                              <a:latin typeface="Cambria Math" panose="02040503050406030204" pitchFamily="18" charset="0"/>
+                            </a:rPr>
+                            <m:t>45°</m:t>
+                          </m:r>
+                        </m:oMath>
+                      </m:oMathPara>
+                    </a14:m>
+                    <a:endParaRPr lang="ko-KR" altLang="en-US" sz="1200" dirty="0">
+                      <a:solidFill>
+                        <a:srgbClr val="92D050"/>
+                      </a:solidFill>
+                    </a:endParaRPr>
+                  </a:p>
+                </p:txBody>
+              </p:sp>
+            </mc:Choice>
+            <mc:Fallback>
+              <p:sp>
+                <p:nvSpPr>
+                  <p:cNvPr id="49" name="TextBox 48">
+                    <a:extLst>
+                      <a:ext uri="{FF2B5EF4-FFF2-40B4-BE49-F238E27FC236}">
+                        <a16:creationId xmlns:a16="http://schemas.microsoft.com/office/drawing/2014/main" id="{92ADCF16-BFC9-8E27-9044-53B749F41197}"/>
+                      </a:ext>
+                    </a:extLst>
+                  </p:cNvPr>
+                  <p:cNvSpPr txBox="1">
+                    <a:spLocks noRot="1" noChangeAspect="1" noMove="1" noResize="1" noEditPoints="1" noAdjustHandles="1" noChangeArrowheads="1" noChangeShapeType="1" noTextEdit="1"/>
+                  </p:cNvSpPr>
+                  <p:nvPr/>
+                </p:nvSpPr>
+                <p:spPr>
+                  <a:xfrm>
+                    <a:off x="4132089" y="2739106"/>
+                    <a:ext cx="282129" cy="184666"/>
+                  </a:xfrm>
+                  <a:prstGeom prst="rect">
+                    <a:avLst/>
+                  </a:prstGeom>
+                  <a:blipFill>
+                    <a:blip r:embed="rId4"/>
+                    <a:stretch>
+                      <a:fillRect l="-8511" r="-10638" b="-10000"/>
+                    </a:stretch>
+                  </a:blipFill>
+                </p:spPr>
+                <p:txBody>
+                  <a:bodyPr/>
+                  <a:lstStyle/>
+                  <a:p>
+                    <a:r>
+                      <a:rPr lang="ko-KR" altLang="en-US">
+                        <a:noFill/>
+                      </a:rPr>
+                      <a:t> </a:t>
+                    </a:r>
+                  </a:p>
+                </p:txBody>
+              </p:sp>
+            </mc:Fallback>
+          </mc:AlternateContent>
+          <mc:AlternateContent xmlns:mc="http://schemas.openxmlformats.org/markup-compatibility/2006">
+            <mc:Choice xmlns:a14="http://schemas.microsoft.com/office/drawing/2010/main" Requires="a14">
+              <p:sp>
+                <p:nvSpPr>
+                  <p:cNvPr id="50" name="TextBox 49">
+                    <a:extLst>
+                      <a:ext uri="{FF2B5EF4-FFF2-40B4-BE49-F238E27FC236}">
+                        <a16:creationId xmlns:a16="http://schemas.microsoft.com/office/drawing/2014/main" id="{4E58C78B-FA5D-51E3-2C37-6FC855E5A0E7}"/>
+                      </a:ext>
+                    </a:extLst>
+                  </p:cNvPr>
+                  <p:cNvSpPr txBox="1"/>
+                  <p:nvPr/>
+                </p:nvSpPr>
+                <p:spPr>
+                  <a:xfrm>
+                    <a:off x="7808567" y="2739106"/>
+                    <a:ext cx="282129" cy="184666"/>
+                  </a:xfrm>
+                  <a:prstGeom prst="rect">
+                    <a:avLst/>
+                  </a:prstGeom>
+                  <a:noFill/>
+                </p:spPr>
+                <p:txBody>
+                  <a:bodyPr wrap="none" lIns="0" tIns="0" rIns="0" bIns="0" rtlCol="0">
+                    <a:spAutoFit/>
+                  </a:bodyPr>
+                  <a:lstStyle/>
+                  <a:p>
+                    <a14:m>
+                      <m:oMathPara xmlns:m="http://schemas.openxmlformats.org/officeDocument/2006/math">
+                        <m:oMathParaPr>
+                          <m:jc m:val="centerGroup"/>
+                        </m:oMathParaPr>
+                        <m:oMath xmlns:m="http://schemas.openxmlformats.org/officeDocument/2006/math">
+                          <m:r>
+                            <a:rPr lang="en-US" altLang="ko-KR" sz="1200" b="0" i="1" smtClean="0">
+                              <a:solidFill>
+                                <a:srgbClr val="92D050"/>
+                              </a:solidFill>
+                              <a:latin typeface="Cambria Math" panose="02040503050406030204" pitchFamily="18" charset="0"/>
+                            </a:rPr>
+                            <m:t>45°</m:t>
+                          </m:r>
+                        </m:oMath>
+                      </m:oMathPara>
+                    </a14:m>
+                    <a:endParaRPr lang="ko-KR" altLang="en-US" sz="1200" dirty="0">
+                      <a:solidFill>
+                        <a:srgbClr val="92D050"/>
+                      </a:solidFill>
+                    </a:endParaRPr>
+                  </a:p>
+                </p:txBody>
+              </p:sp>
+            </mc:Choice>
+            <mc:Fallback>
+              <p:sp>
+                <p:nvSpPr>
+                  <p:cNvPr id="50" name="TextBox 49">
+                    <a:extLst>
+                      <a:ext uri="{FF2B5EF4-FFF2-40B4-BE49-F238E27FC236}">
+                        <a16:creationId xmlns:a16="http://schemas.microsoft.com/office/drawing/2014/main" id="{4E58C78B-FA5D-51E3-2C37-6FC855E5A0E7}"/>
+                      </a:ext>
+                    </a:extLst>
+                  </p:cNvPr>
+                  <p:cNvSpPr txBox="1">
+                    <a:spLocks noRot="1" noChangeAspect="1" noMove="1" noResize="1" noEditPoints="1" noAdjustHandles="1" noChangeArrowheads="1" noChangeShapeType="1" noTextEdit="1"/>
+                  </p:cNvSpPr>
+                  <p:nvPr/>
+                </p:nvSpPr>
+                <p:spPr>
+                  <a:xfrm>
+                    <a:off x="7808567" y="2739106"/>
+                    <a:ext cx="282129" cy="184666"/>
+                  </a:xfrm>
+                  <a:prstGeom prst="rect">
+                    <a:avLst/>
+                  </a:prstGeom>
+                  <a:blipFill>
+                    <a:blip r:embed="rId4"/>
+                    <a:stretch>
+                      <a:fillRect l="-8511" r="-10638" b="-10000"/>
+                    </a:stretch>
+                  </a:blipFill>
+                </p:spPr>
+                <p:txBody>
+                  <a:bodyPr/>
+                  <a:lstStyle/>
+                  <a:p>
+                    <a:r>
+                      <a:rPr lang="ko-KR" altLang="en-US">
+                        <a:noFill/>
+                      </a:rPr>
+                      <a:t> </a:t>
+                    </a:r>
+                  </a:p>
+                </p:txBody>
+              </p:sp>
+            </mc:Fallback>
+          </mc:AlternateContent>
+          <mc:AlternateContent xmlns:mc="http://schemas.openxmlformats.org/markup-compatibility/2006">
+            <mc:Choice xmlns:a14="http://schemas.microsoft.com/office/drawing/2010/main" Requires="a14">
+              <p:sp>
+                <p:nvSpPr>
+                  <p:cNvPr id="51" name="TextBox 50">
+                    <a:extLst>
+                      <a:ext uri="{FF2B5EF4-FFF2-40B4-BE49-F238E27FC236}">
+                        <a16:creationId xmlns:a16="http://schemas.microsoft.com/office/drawing/2014/main" id="{B0983F53-32EA-AF30-70F9-1512EBDB4BDE}"/>
+                      </a:ext>
+                    </a:extLst>
+                  </p:cNvPr>
+                  <p:cNvSpPr txBox="1"/>
+                  <p:nvPr/>
+                </p:nvSpPr>
+                <p:spPr>
+                  <a:xfrm>
+                    <a:off x="8217965" y="4396065"/>
+                    <a:ext cx="282129" cy="184666"/>
+                  </a:xfrm>
+                  <a:prstGeom prst="rect">
+                    <a:avLst/>
+                  </a:prstGeom>
+                  <a:noFill/>
+                </p:spPr>
+                <p:txBody>
+                  <a:bodyPr wrap="square" lIns="0" tIns="0" rIns="0" bIns="0" rtlCol="0">
+                    <a:spAutoFit/>
+                  </a:bodyPr>
+                  <a:lstStyle/>
+                  <a:p>
+                    <a14:m>
+                      <m:oMathPara xmlns:m="http://schemas.openxmlformats.org/officeDocument/2006/math">
+                        <m:oMathParaPr>
+                          <m:jc m:val="centerGroup"/>
+                        </m:oMathParaPr>
+                        <m:oMath xmlns:m="http://schemas.openxmlformats.org/officeDocument/2006/math">
+                          <m:r>
+                            <a:rPr lang="en-US" altLang="ko-KR" sz="1200" b="0" i="1" smtClean="0">
+                              <a:solidFill>
+                                <a:srgbClr val="00B0F0"/>
+                              </a:solidFill>
+                              <a:latin typeface="Cambria Math" panose="02040503050406030204" pitchFamily="18" charset="0"/>
+                            </a:rPr>
+                            <m:t>90°</m:t>
+                          </m:r>
+                        </m:oMath>
+                      </m:oMathPara>
+                    </a14:m>
+                    <a:endParaRPr lang="ko-KR" altLang="en-US" sz="1200" dirty="0">
+                      <a:solidFill>
+                        <a:srgbClr val="00B0F0"/>
+                      </a:solidFill>
+                    </a:endParaRPr>
+                  </a:p>
+                </p:txBody>
+              </p:sp>
+            </mc:Choice>
+            <mc:Fallback>
+              <p:sp>
+                <p:nvSpPr>
+                  <p:cNvPr id="51" name="TextBox 50">
+                    <a:extLst>
+                      <a:ext uri="{FF2B5EF4-FFF2-40B4-BE49-F238E27FC236}">
+                        <a16:creationId xmlns:a16="http://schemas.microsoft.com/office/drawing/2014/main" id="{B0983F53-32EA-AF30-70F9-1512EBDB4BDE}"/>
+                      </a:ext>
+                    </a:extLst>
+                  </p:cNvPr>
+                  <p:cNvSpPr txBox="1">
+                    <a:spLocks noRot="1" noChangeAspect="1" noMove="1" noResize="1" noEditPoints="1" noAdjustHandles="1" noChangeArrowheads="1" noChangeShapeType="1" noTextEdit="1"/>
+                  </p:cNvSpPr>
+                  <p:nvPr/>
+                </p:nvSpPr>
+                <p:spPr>
+                  <a:xfrm>
+                    <a:off x="8217965" y="4396065"/>
+                    <a:ext cx="282129" cy="184666"/>
+                  </a:xfrm>
+                  <a:prstGeom prst="rect">
+                    <a:avLst/>
+                  </a:prstGeom>
+                  <a:blipFill>
+                    <a:blip r:embed="rId5"/>
+                    <a:stretch>
+                      <a:fillRect l="-8696" r="-10870" b="-10000"/>
+                    </a:stretch>
+                  </a:blipFill>
+                </p:spPr>
+                <p:txBody>
+                  <a:bodyPr/>
+                  <a:lstStyle/>
+                  <a:p>
+                    <a:r>
+                      <a:rPr lang="ko-KR" altLang="en-US">
+                        <a:noFill/>
+                      </a:rPr>
+                      <a:t> </a:t>
+                    </a:r>
+                  </a:p>
+                </p:txBody>
+              </p:sp>
+            </mc:Fallback>
+          </mc:AlternateContent>
+          <mc:AlternateContent xmlns:mc="http://schemas.openxmlformats.org/markup-compatibility/2006">
+            <mc:Choice xmlns:a14="http://schemas.microsoft.com/office/drawing/2010/main" Requires="a14">
+              <p:sp>
+                <p:nvSpPr>
+                  <p:cNvPr id="53" name="TextBox 52">
+                    <a:extLst>
+                      <a:ext uri="{FF2B5EF4-FFF2-40B4-BE49-F238E27FC236}">
+                        <a16:creationId xmlns:a16="http://schemas.microsoft.com/office/drawing/2014/main" id="{E408B16E-CE41-8B84-E76E-70CEB0105858}"/>
+                      </a:ext>
+                    </a:extLst>
+                  </p:cNvPr>
+                  <p:cNvSpPr txBox="1"/>
+                  <p:nvPr/>
+                </p:nvSpPr>
+                <p:spPr>
+                  <a:xfrm>
+                    <a:off x="3700686" y="4396065"/>
+                    <a:ext cx="282129" cy="184666"/>
+                  </a:xfrm>
+                  <a:prstGeom prst="rect">
+                    <a:avLst/>
+                  </a:prstGeom>
+                  <a:noFill/>
+                </p:spPr>
+                <p:txBody>
+                  <a:bodyPr wrap="square" lIns="0" tIns="0" rIns="0" bIns="0" rtlCol="0">
+                    <a:spAutoFit/>
+                  </a:bodyPr>
+                  <a:lstStyle/>
+                  <a:p>
+                    <a14:m>
+                      <m:oMathPara xmlns:m="http://schemas.openxmlformats.org/officeDocument/2006/math">
+                        <m:oMathParaPr>
+                          <m:jc m:val="centerGroup"/>
+                        </m:oMathParaPr>
+                        <m:oMath xmlns:m="http://schemas.openxmlformats.org/officeDocument/2006/math">
+                          <m:r>
+                            <a:rPr lang="en-US" altLang="ko-KR" sz="1200" b="0" i="1" smtClean="0">
+                              <a:solidFill>
+                                <a:srgbClr val="00B0F0"/>
+                              </a:solidFill>
+                              <a:latin typeface="Cambria Math" panose="02040503050406030204" pitchFamily="18" charset="0"/>
+                            </a:rPr>
+                            <m:t>90°</m:t>
+                          </m:r>
+                        </m:oMath>
+                      </m:oMathPara>
+                    </a14:m>
+                    <a:endParaRPr lang="ko-KR" altLang="en-US" sz="1200" dirty="0">
+                      <a:solidFill>
+                        <a:srgbClr val="00B0F0"/>
+                      </a:solidFill>
+                    </a:endParaRPr>
+                  </a:p>
+                </p:txBody>
+              </p:sp>
+            </mc:Choice>
+            <mc:Fallback>
+              <p:sp>
+                <p:nvSpPr>
+                  <p:cNvPr id="53" name="TextBox 52">
+                    <a:extLst>
+                      <a:ext uri="{FF2B5EF4-FFF2-40B4-BE49-F238E27FC236}">
+                        <a16:creationId xmlns:a16="http://schemas.microsoft.com/office/drawing/2014/main" id="{E408B16E-CE41-8B84-E76E-70CEB0105858}"/>
+                      </a:ext>
+                    </a:extLst>
+                  </p:cNvPr>
+                  <p:cNvSpPr txBox="1">
+                    <a:spLocks noRot="1" noChangeAspect="1" noMove="1" noResize="1" noEditPoints="1" noAdjustHandles="1" noChangeArrowheads="1" noChangeShapeType="1" noTextEdit="1"/>
+                  </p:cNvSpPr>
+                  <p:nvPr/>
+                </p:nvSpPr>
+                <p:spPr>
+                  <a:xfrm>
+                    <a:off x="3700686" y="4396065"/>
+                    <a:ext cx="282129" cy="184666"/>
+                  </a:xfrm>
+                  <a:prstGeom prst="rect">
+                    <a:avLst/>
+                  </a:prstGeom>
+                  <a:blipFill>
+                    <a:blip r:embed="rId5"/>
+                    <a:stretch>
+                      <a:fillRect l="-8696" r="-10870" b="-10000"/>
+                    </a:stretch>
+                  </a:blipFill>
+                </p:spPr>
+                <p:txBody>
+                  <a:bodyPr/>
+                  <a:lstStyle/>
+                  <a:p>
+                    <a:r>
+                      <a:rPr lang="ko-KR" altLang="en-US">
+                        <a:noFill/>
+                      </a:rPr>
+                      <a:t> </a:t>
+                    </a:r>
+                  </a:p>
+                </p:txBody>
+              </p:sp>
+            </mc:Fallback>
+          </mc:AlternateContent>
+          <mc:AlternateContent xmlns:mc="http://schemas.openxmlformats.org/markup-compatibility/2006">
+            <mc:Choice xmlns:a14="http://schemas.microsoft.com/office/drawing/2010/main" Requires="a14">
+              <p:sp>
+                <p:nvSpPr>
+                  <p:cNvPr id="54" name="TextBox 53">
+                    <a:extLst>
+                      <a:ext uri="{FF2B5EF4-FFF2-40B4-BE49-F238E27FC236}">
+                        <a16:creationId xmlns:a16="http://schemas.microsoft.com/office/drawing/2014/main" id="{F578E49A-5B97-60D9-6846-64680ECA124F}"/>
+                      </a:ext>
+                    </a:extLst>
+                  </p:cNvPr>
+                  <p:cNvSpPr txBox="1"/>
+                  <p:nvPr/>
+                </p:nvSpPr>
+                <p:spPr>
+                  <a:xfrm>
+                    <a:off x="3021641" y="4677110"/>
+                    <a:ext cx="282129" cy="184666"/>
+                  </a:xfrm>
+                  <a:prstGeom prst="rect">
+                    <a:avLst/>
+                  </a:prstGeom>
+                  <a:noFill/>
+                </p:spPr>
+                <p:txBody>
+                  <a:bodyPr wrap="square" lIns="0" tIns="0" rIns="0" bIns="0" rtlCol="0">
+                    <a:spAutoFit/>
+                  </a:bodyPr>
+                  <a:lstStyle/>
+                  <a:p>
+                    <a14:m>
+                      <m:oMathPara xmlns:m="http://schemas.openxmlformats.org/officeDocument/2006/math">
+                        <m:oMathParaPr>
+                          <m:jc m:val="centerGroup"/>
+                        </m:oMathParaPr>
+                        <m:oMath xmlns:m="http://schemas.openxmlformats.org/officeDocument/2006/math">
+                          <m:r>
+                            <a:rPr lang="en-US" altLang="ko-KR" sz="1200" b="0" i="1" smtClean="0">
+                              <a:solidFill>
+                                <a:srgbClr val="002060"/>
+                              </a:solidFill>
+                              <a:latin typeface="Cambria Math" panose="02040503050406030204" pitchFamily="18" charset="0"/>
+                            </a:rPr>
+                            <m:t>100°</m:t>
+                          </m:r>
+                        </m:oMath>
+                      </m:oMathPara>
+                    </a14:m>
+                    <a:endParaRPr lang="ko-KR" altLang="en-US" sz="1200" dirty="0">
+                      <a:solidFill>
+                        <a:srgbClr val="002060"/>
+                      </a:solidFill>
+                    </a:endParaRPr>
+                  </a:p>
+                </p:txBody>
+              </p:sp>
+            </mc:Choice>
+            <mc:Fallback>
+              <p:sp>
+                <p:nvSpPr>
+                  <p:cNvPr id="54" name="TextBox 53">
+                    <a:extLst>
+                      <a:ext uri="{FF2B5EF4-FFF2-40B4-BE49-F238E27FC236}">
+                        <a16:creationId xmlns:a16="http://schemas.microsoft.com/office/drawing/2014/main" id="{F578E49A-5B97-60D9-6846-64680ECA124F}"/>
+                      </a:ext>
+                    </a:extLst>
+                  </p:cNvPr>
+                  <p:cNvSpPr txBox="1">
+                    <a:spLocks noRot="1" noChangeAspect="1" noMove="1" noResize="1" noEditPoints="1" noAdjustHandles="1" noChangeArrowheads="1" noChangeShapeType="1" noTextEdit="1"/>
+                  </p:cNvSpPr>
+                  <p:nvPr/>
+                </p:nvSpPr>
+                <p:spPr>
+                  <a:xfrm>
+                    <a:off x="3021641" y="4677110"/>
+                    <a:ext cx="282129" cy="184666"/>
+                  </a:xfrm>
+                  <a:prstGeom prst="rect">
+                    <a:avLst/>
+                  </a:prstGeom>
+                  <a:blipFill>
+                    <a:blip r:embed="rId6"/>
+                    <a:stretch>
+                      <a:fillRect l="-19565" r="-30435" b="-10000"/>
+                    </a:stretch>
+                  </a:blipFill>
+                </p:spPr>
+                <p:txBody>
+                  <a:bodyPr/>
+                  <a:lstStyle/>
+                  <a:p>
+                    <a:r>
+                      <a:rPr lang="ko-KR" altLang="en-US">
+                        <a:noFill/>
+                      </a:rPr>
+                      <a:t> </a:t>
+                    </a:r>
+                  </a:p>
+                </p:txBody>
+              </p:sp>
+            </mc:Fallback>
+          </mc:AlternateContent>
+          <mc:AlternateContent xmlns:mc="http://schemas.openxmlformats.org/markup-compatibility/2006">
+            <mc:Choice xmlns:a14="http://schemas.microsoft.com/office/drawing/2010/main" Requires="a14">
+              <p:sp>
+                <p:nvSpPr>
+                  <p:cNvPr id="55" name="TextBox 54">
+                    <a:extLst>
+                      <a:ext uri="{FF2B5EF4-FFF2-40B4-BE49-F238E27FC236}">
+                        <a16:creationId xmlns:a16="http://schemas.microsoft.com/office/drawing/2014/main" id="{4F8826FC-2C12-E2B1-0B01-462466F5AF1B}"/>
+                      </a:ext>
+                    </a:extLst>
+                  </p:cNvPr>
+                  <p:cNvSpPr txBox="1"/>
+                  <p:nvPr/>
+                </p:nvSpPr>
+                <p:spPr>
+                  <a:xfrm>
+                    <a:off x="8839640" y="4677110"/>
+                    <a:ext cx="282129" cy="184666"/>
+                  </a:xfrm>
+                  <a:prstGeom prst="rect">
+                    <a:avLst/>
+                  </a:prstGeom>
+                  <a:noFill/>
+                </p:spPr>
+                <p:txBody>
+                  <a:bodyPr wrap="square" lIns="0" tIns="0" rIns="0" bIns="0" rtlCol="0">
+                    <a:spAutoFit/>
+                  </a:bodyPr>
+                  <a:lstStyle/>
+                  <a:p>
+                    <a14:m>
+                      <m:oMathPara xmlns:m="http://schemas.openxmlformats.org/officeDocument/2006/math">
+                        <m:oMathParaPr>
+                          <m:jc m:val="centerGroup"/>
+                        </m:oMathParaPr>
+                        <m:oMath xmlns:m="http://schemas.openxmlformats.org/officeDocument/2006/math">
+                          <m:r>
+                            <a:rPr lang="en-US" altLang="ko-KR" sz="1200" b="0" i="1" smtClean="0">
+                              <a:solidFill>
+                                <a:srgbClr val="002060"/>
+                              </a:solidFill>
+                              <a:latin typeface="Cambria Math" panose="02040503050406030204" pitchFamily="18" charset="0"/>
+                            </a:rPr>
+                            <m:t>100°</m:t>
+                          </m:r>
+                        </m:oMath>
+                      </m:oMathPara>
+                    </a14:m>
+                    <a:endParaRPr lang="ko-KR" altLang="en-US" sz="1200" dirty="0">
+                      <a:solidFill>
+                        <a:srgbClr val="002060"/>
+                      </a:solidFill>
+                    </a:endParaRPr>
+                  </a:p>
+                </p:txBody>
+              </p:sp>
+            </mc:Choice>
+            <mc:Fallback>
+              <p:sp>
+                <p:nvSpPr>
+                  <p:cNvPr id="55" name="TextBox 54">
+                    <a:extLst>
+                      <a:ext uri="{FF2B5EF4-FFF2-40B4-BE49-F238E27FC236}">
+                        <a16:creationId xmlns:a16="http://schemas.microsoft.com/office/drawing/2014/main" id="{4F8826FC-2C12-E2B1-0B01-462466F5AF1B}"/>
+                      </a:ext>
+                    </a:extLst>
+                  </p:cNvPr>
+                  <p:cNvSpPr txBox="1">
+                    <a:spLocks noRot="1" noChangeAspect="1" noMove="1" noResize="1" noEditPoints="1" noAdjustHandles="1" noChangeArrowheads="1" noChangeShapeType="1" noTextEdit="1"/>
+                  </p:cNvSpPr>
+                  <p:nvPr/>
+                </p:nvSpPr>
+                <p:spPr>
+                  <a:xfrm>
+                    <a:off x="8839640" y="4677110"/>
+                    <a:ext cx="282129" cy="184666"/>
+                  </a:xfrm>
+                  <a:prstGeom prst="rect">
+                    <a:avLst/>
+                  </a:prstGeom>
+                  <a:blipFill>
+                    <a:blip r:embed="rId6"/>
+                    <a:stretch>
+                      <a:fillRect l="-19565" r="-30435" b="-10000"/>
+                    </a:stretch>
+                  </a:blipFill>
+                </p:spPr>
+                <p:txBody>
+                  <a:bodyPr/>
+                  <a:lstStyle/>
+                  <a:p>
+                    <a:r>
+                      <a:rPr lang="ko-KR" altLang="en-US">
+                        <a:noFill/>
+                      </a:rPr>
+                      <a:t> </a:t>
+                    </a:r>
+                  </a:p>
+                </p:txBody>
+              </p:sp>
+            </mc:Fallback>
+          </mc:AlternateContent>
+        </p:grpSp>
+      </p:grpSp>
+    </p:spTree>
+    <p:extLst>
+      <p:ext uri="{BB962C8B-B14F-4D97-AF65-F5344CB8AC3E}">
+        <p14:creationId xmlns:p14="http://schemas.microsoft.com/office/powerpoint/2010/main" val="2798110229"/>
+      </p:ext>
+    </p:extLst>
+  </p:cSld>
+  <p:clrMapOvr>
+    <a:masterClrMapping/>
+  </p:clrMapOvr>
+</p:sld>
+</file>
+
+<file path=ppt/slides/slide7.xml><?xml version="1.0" encoding="utf-8"?>
+<p:sld xmlns:a="http://schemas.openxmlformats.org/drawingml/2006/main" xmlns:r="http://schemas.openxmlformats.org/officeDocument/2006/relationships" xmlns:p="http://schemas.openxmlformats.org/presentationml/2006/main">
+  <p:cSld>
+    <p:spTree>
+      <p:nvGrpSpPr>
+        <p:cNvPr id="1" name=""/>
+        <p:cNvGrpSpPr/>
+        <p:nvPr/>
+      </p:nvGrpSpPr>
+      <p:grpSpPr>
+        <a:xfrm>
+          <a:off x="0" y="0"/>
+          <a:ext cx="0" cy="0"/>
+          <a:chOff x="0" y="0"/>
+          <a:chExt cx="0" cy="0"/>
+        </a:xfrm>
+      </p:grpSpPr>
+      <p:grpSp>
+        <p:nvGrpSpPr>
+          <p:cNvPr id="14" name="그룹 13">
+            <a:extLst>
+              <a:ext uri="{FF2B5EF4-FFF2-40B4-BE49-F238E27FC236}">
+                <a16:creationId xmlns:a16="http://schemas.microsoft.com/office/drawing/2014/main" id="{A9D689E2-7A02-871F-F117-A6E3B1DD4859}"/>
+              </a:ext>
+            </a:extLst>
+          </p:cNvPr>
+          <p:cNvGrpSpPr/>
+          <p:nvPr/>
+        </p:nvGrpSpPr>
+        <p:grpSpPr>
+          <a:xfrm>
+            <a:off x="-2347569" y="-1770743"/>
+            <a:ext cx="14889951" cy="13964920"/>
+            <a:chOff x="-3958655" y="-1001486"/>
+            <a:chExt cx="14889951" cy="13964920"/>
+          </a:xfrm>
+        </p:grpSpPr>
+        <p:pic>
+          <p:nvPicPr>
+            <p:cNvPr id="5" name="그림 4">
+              <a:extLst>
+                <a:ext uri="{FF2B5EF4-FFF2-40B4-BE49-F238E27FC236}">
+                  <a16:creationId xmlns:a16="http://schemas.microsoft.com/office/drawing/2014/main" id="{4C5CC51C-FAB8-B28C-A938-99FABC459609}"/>
+                </a:ext>
+              </a:extLst>
+            </p:cNvPr>
+            <p:cNvPicPr>
+              <a:picLocks noChangeAspect="1"/>
+            </p:cNvPicPr>
+            <p:nvPr/>
+          </p:nvPicPr>
+          <p:blipFill>
+            <a:blip r:embed="rId2"/>
+            <a:stretch>
+              <a:fillRect/>
+            </a:stretch>
+          </p:blipFill>
+          <p:spPr>
+            <a:xfrm>
+              <a:off x="-1586227" y="-1001486"/>
+              <a:ext cx="4875495" cy="6858000"/>
+            </a:xfrm>
+            <a:prstGeom prst="rect">
+              <a:avLst/>
+            </a:prstGeom>
+          </p:spPr>
+        </p:pic>
+        <p:pic>
+          <p:nvPicPr>
+            <p:cNvPr id="7" name="그림 6">
+              <a:extLst>
+                <a:ext uri="{FF2B5EF4-FFF2-40B4-BE49-F238E27FC236}">
+                  <a16:creationId xmlns:a16="http://schemas.microsoft.com/office/drawing/2014/main" id="{79A98F85-63C3-3E75-C184-35E31293D42F}"/>
+                </a:ext>
+              </a:extLst>
+            </p:cNvPr>
+            <p:cNvPicPr>
+              <a:picLocks noChangeAspect="1"/>
+            </p:cNvPicPr>
+            <p:nvPr/>
+          </p:nvPicPr>
+          <p:blipFill>
+            <a:blip r:embed="rId3"/>
+            <a:stretch>
+              <a:fillRect/>
+            </a:stretch>
+          </p:blipFill>
+          <p:spPr>
+            <a:xfrm>
+              <a:off x="3696432" y="-1001486"/>
+              <a:ext cx="4799135" cy="6858000"/>
+            </a:xfrm>
+            <a:prstGeom prst="rect">
+              <a:avLst/>
+            </a:prstGeom>
+          </p:spPr>
+        </p:pic>
+        <p:pic>
+          <p:nvPicPr>
+            <p:cNvPr id="9" name="그림 8">
+              <a:extLst>
+                <a:ext uri="{FF2B5EF4-FFF2-40B4-BE49-F238E27FC236}">
+                  <a16:creationId xmlns:a16="http://schemas.microsoft.com/office/drawing/2014/main" id="{697364E0-6280-B6F7-17CF-1E56B6E03256}"/>
+                </a:ext>
+              </a:extLst>
+            </p:cNvPr>
+            <p:cNvPicPr>
+              <a:picLocks noChangeAspect="1"/>
+            </p:cNvPicPr>
+            <p:nvPr/>
+          </p:nvPicPr>
+          <p:blipFill>
+            <a:blip r:embed="rId4"/>
+            <a:stretch>
+              <a:fillRect/>
+            </a:stretch>
+          </p:blipFill>
+          <p:spPr>
+            <a:xfrm>
+              <a:off x="-3958655" y="6105434"/>
+              <a:ext cx="4810176" cy="6858000"/>
+            </a:xfrm>
+            <a:prstGeom prst="rect">
+              <a:avLst/>
+            </a:prstGeom>
+          </p:spPr>
+        </p:pic>
+        <p:pic>
+          <p:nvPicPr>
+            <p:cNvPr id="11" name="그림 10">
+              <a:extLst>
+                <a:ext uri="{FF2B5EF4-FFF2-40B4-BE49-F238E27FC236}">
+                  <a16:creationId xmlns:a16="http://schemas.microsoft.com/office/drawing/2014/main" id="{5E0BC5A5-B088-E969-9902-0D15632B6CFD}"/>
+                </a:ext>
+              </a:extLst>
+            </p:cNvPr>
+            <p:cNvPicPr>
+              <a:picLocks noChangeAspect="1"/>
+            </p:cNvPicPr>
+            <p:nvPr/>
+          </p:nvPicPr>
+          <p:blipFill>
+            <a:blip r:embed="rId5"/>
+            <a:stretch>
+              <a:fillRect/>
+            </a:stretch>
+          </p:blipFill>
+          <p:spPr>
+            <a:xfrm>
+              <a:off x="1067574" y="6105434"/>
+              <a:ext cx="4812373" cy="6858000"/>
+            </a:xfrm>
+            <a:prstGeom prst="rect">
+              <a:avLst/>
+            </a:prstGeom>
+          </p:spPr>
+        </p:pic>
+        <p:pic>
+          <p:nvPicPr>
+            <p:cNvPr id="13" name="그림 12">
+              <a:extLst>
+                <a:ext uri="{FF2B5EF4-FFF2-40B4-BE49-F238E27FC236}">
+                  <a16:creationId xmlns:a16="http://schemas.microsoft.com/office/drawing/2014/main" id="{02E9131D-BFBE-CFDC-F03F-A14EF6CCCF2A}"/>
+                </a:ext>
+              </a:extLst>
+            </p:cNvPr>
+            <p:cNvPicPr>
+              <a:picLocks noChangeAspect="1"/>
+            </p:cNvPicPr>
+            <p:nvPr/>
+          </p:nvPicPr>
+          <p:blipFill>
+            <a:blip r:embed="rId6"/>
+            <a:stretch>
+              <a:fillRect/>
+            </a:stretch>
+          </p:blipFill>
+          <p:spPr>
+            <a:xfrm>
+              <a:off x="6096000" y="6105434"/>
+              <a:ext cx="4835296" cy="6858000"/>
+            </a:xfrm>
+            <a:prstGeom prst="rect">
+              <a:avLst/>
+            </a:prstGeom>
+          </p:spPr>
+        </p:pic>
+      </p:grpSp>
+    </p:spTree>
+    <p:extLst>
+      <p:ext uri="{BB962C8B-B14F-4D97-AF65-F5344CB8AC3E}">
+        <p14:creationId xmlns:p14="http://schemas.microsoft.com/office/powerpoint/2010/main" val="519857790"/>
       </p:ext>
     </p:extLst>
   </p:cSld>
